--- a/Tutorial/Lesson4/Micro python With ESP8266 -4.pptx
+++ b/Tutorial/Lesson4/Micro python With ESP8266 -4.pptx
@@ -5,16 +5,15 @@
     <p:sldMasterId id="2147483648" r:id="rId1"/>
   </p:sldMasterIdLst>
   <p:notesMasterIdLst>
-    <p:notesMasterId r:id="rId9"/>
+    <p:notesMasterId r:id="rId8"/>
   </p:notesMasterIdLst>
   <p:sldIdLst>
     <p:sldId id="307" r:id="rId2"/>
-    <p:sldId id="308" r:id="rId3"/>
-    <p:sldId id="305" r:id="rId4"/>
-    <p:sldId id="282" r:id="rId5"/>
-    <p:sldId id="304" r:id="rId6"/>
-    <p:sldId id="299" r:id="rId7"/>
-    <p:sldId id="271" r:id="rId8"/>
+    <p:sldId id="299" r:id="rId3"/>
+    <p:sldId id="309" r:id="rId4"/>
+    <p:sldId id="310" r:id="rId5"/>
+    <p:sldId id="308" r:id="rId6"/>
+    <p:sldId id="271" r:id="rId7"/>
   </p:sldIdLst>
   <p:sldSz cx="12192000" cy="6858000"/>
   <p:notesSz cx="6858000" cy="9144000"/>
@@ -121,37 +120,6 @@
 </p:presentation>
 </file>
 
-<file path=ppt/ink/ink1.xml><?xml version="1.0" encoding="utf-8"?>
-<inkml:ink xmlns:inkml="http://www.w3.org/2003/InkML">
-  <inkml:definitions>
-    <inkml:context xml:id="ctx0">
-      <inkml:inkSource xml:id="inkSrc0">
-        <inkml:traceFormat>
-          <inkml:channel name="X" type="integer" min="-2.14748E9" max="2.14748E9" units="cm"/>
-          <inkml:channel name="Y" type="integer" min="-2.14748E9" max="2.14748E9" units="cm"/>
-          <inkml:channel name="F" type="integer" max="32767" units="dev"/>
-          <inkml:channel name="OA" type="integer" max="360" units="deg"/>
-          <inkml:channel name="OE" type="integer" max="90" units="deg"/>
-        </inkml:traceFormat>
-        <inkml:channelProperties>
-          <inkml:channelProperty channel="X" name="resolution" value="1000" units="1/cm"/>
-          <inkml:channelProperty channel="Y" name="resolution" value="1000" units="1/cm"/>
-          <inkml:channelProperty channel="F" name="resolution" value="0" units="1/dev"/>
-          <inkml:channelProperty channel="OA" name="resolution" value="1000" units="1/deg"/>
-          <inkml:channelProperty channel="OE" name="resolution" value="1000" units="1/deg"/>
-        </inkml:channelProperties>
-      </inkml:inkSource>
-      <inkml:timestamp xml:id="ts0" timeString="2024-09-09T16:46:01.293"/>
-    </inkml:context>
-    <inkml:brush xml:id="br0">
-      <inkml:brushProperty name="width" value="0.1" units="cm"/>
-      <inkml:brushProperty name="height" value="0.1" units="cm"/>
-    </inkml:brush>
-  </inkml:definitions>
-  <inkml:trace contextRef="#ctx0" brushRef="#br0">28 42 1692 0 0,'-27'5'15715'0'0,"37"-21"-22080"0"0,17-4-1243 0 0,-18 9 5490 0 0</inkml:trace>
-</inkml:ink>
-</file>
-
 <file path=ppt/notesMasters/notesMaster1.xml><?xml version="1.0" encoding="utf-8"?>
 <p:notesMaster xmlns:a="http://schemas.openxmlformats.org/drawingml/2006/main" xmlns:r="http://schemas.openxmlformats.org/officeDocument/2006/relationships" xmlns:p="http://schemas.openxmlformats.org/presentationml/2006/main">
   <p:cSld>
@@ -234,7 +202,7 @@
           <a:p>
             <a:fld id="{95F78581-410F-46EF-9728-64B792710C0E}" type="datetimeFigureOut">
               <a:rPr lang="en-US" smtClean="0"/>
-              <a:t>9/11/2024</a:t>
+              <a:t>9/23/2024</a:t>
             </a:fld>
             <a:endParaRPr lang="en-US"/>
           </a:p>
@@ -650,91 +618,7 @@
           <a:p>
             <a:fld id="{22289C57-55D7-40A4-A101-E74FAC7A092B}" type="slidenum">
               <a:rPr lang="en-US" smtClean="0"/>
-              <a:t>4</a:t>
-            </a:fld>
-            <a:endParaRPr lang="en-US" dirty="0"/>
-          </a:p>
-        </p:txBody>
-      </p:sp>
-    </p:spTree>
-    <p:extLst>
-      <p:ext uri="{BB962C8B-B14F-4D97-AF65-F5344CB8AC3E}">
-        <p14:creationId xmlns:p14="http://schemas.microsoft.com/office/powerpoint/2010/main" val="236659336"/>
-      </p:ext>
-    </p:extLst>
-  </p:cSld>
-  <p:clrMapOvr>
-    <a:masterClrMapping/>
-  </p:clrMapOvr>
-</p:notes>
-</file>
-
-<file path=ppt/notesSlides/notesSlide3.xml><?xml version="1.0" encoding="utf-8"?>
-<p:notes xmlns:a="http://schemas.openxmlformats.org/drawingml/2006/main" xmlns:r="http://schemas.openxmlformats.org/officeDocument/2006/relationships" xmlns:p="http://schemas.openxmlformats.org/presentationml/2006/main">
-  <p:cSld>
-    <p:spTree>
-      <p:nvGrpSpPr>
-        <p:cNvPr id="1" name=""/>
-        <p:cNvGrpSpPr/>
-        <p:nvPr/>
-      </p:nvGrpSpPr>
-      <p:grpSpPr>
-        <a:xfrm>
-          <a:off x="0" y="0"/>
-          <a:ext cx="0" cy="0"/>
-          <a:chOff x="0" y="0"/>
-          <a:chExt cx="0" cy="0"/>
-        </a:xfrm>
-      </p:grpSpPr>
-      <p:sp>
-        <p:nvSpPr>
-          <p:cNvPr id="2" name="Slide Image Placeholder 1"/>
-          <p:cNvSpPr>
-            <a:spLocks noGrp="1" noRot="1" noChangeAspect="1"/>
-          </p:cNvSpPr>
-          <p:nvPr>
-            <p:ph type="sldImg"/>
-          </p:nvPr>
-        </p:nvSpPr>
-        <p:spPr/>
-      </p:sp>
-      <p:sp>
-        <p:nvSpPr>
-          <p:cNvPr id="3" name="Notes Placeholder 2"/>
-          <p:cNvSpPr>
-            <a:spLocks noGrp="1"/>
-          </p:cNvSpPr>
-          <p:nvPr>
-            <p:ph type="body" idx="1"/>
-          </p:nvPr>
-        </p:nvSpPr>
-        <p:spPr/>
-        <p:txBody>
-          <a:bodyPr/>
-          <a:lstStyle/>
-          <a:p>
-            <a:endParaRPr lang="en-US" dirty="0"/>
-          </a:p>
-        </p:txBody>
-      </p:sp>
-      <p:sp>
-        <p:nvSpPr>
-          <p:cNvPr id="4" name="Slide Number Placeholder 3"/>
-          <p:cNvSpPr>
-            <a:spLocks noGrp="1"/>
-          </p:cNvSpPr>
-          <p:nvPr>
-            <p:ph type="sldNum" sz="quarter" idx="5"/>
-          </p:nvPr>
-        </p:nvSpPr>
-        <p:spPr/>
-        <p:txBody>
-          <a:bodyPr/>
-          <a:lstStyle/>
-          <a:p>
-            <a:fld id="{22289C57-55D7-40A4-A101-E74FAC7A092B}" type="slidenum">
-              <a:rPr lang="en-US" smtClean="0"/>
-              <a:t>7</a:t>
+              <a:t>6</a:t>
             </a:fld>
             <a:endParaRPr lang="en-US" dirty="0"/>
           </a:p>
@@ -900,7 +784,7 @@
           <a:p>
             <a:fld id="{84FB859E-B9F7-4B38-A4B3-6B844132A739}" type="datetimeFigureOut">
               <a:rPr lang="en-US" smtClean="0"/>
-              <a:t>9/11/2024</a:t>
+              <a:t>9/23/2024</a:t>
             </a:fld>
             <a:endParaRPr lang="en-US"/>
           </a:p>
@@ -1098,7 +982,7 @@
           <a:p>
             <a:fld id="{84FB859E-B9F7-4B38-A4B3-6B844132A739}" type="datetimeFigureOut">
               <a:rPr lang="en-US" smtClean="0"/>
-              <a:t>9/11/2024</a:t>
+              <a:t>9/23/2024</a:t>
             </a:fld>
             <a:endParaRPr lang="en-US"/>
           </a:p>
@@ -1306,7 +1190,7 @@
           <a:p>
             <a:fld id="{84FB859E-B9F7-4B38-A4B3-6B844132A739}" type="datetimeFigureOut">
               <a:rPr lang="en-US" smtClean="0"/>
-              <a:t>9/11/2024</a:t>
+              <a:t>9/23/2024</a:t>
             </a:fld>
             <a:endParaRPr lang="en-US"/>
           </a:p>
@@ -1380,661 +1264,6 @@
 </file>
 
 <file path=ppt/slideLayouts/slideLayout12.xml><?xml version="1.0" encoding="utf-8"?>
-<p:sldLayout xmlns:a="http://schemas.openxmlformats.org/drawingml/2006/main" xmlns:r="http://schemas.openxmlformats.org/officeDocument/2006/relationships" xmlns:p="http://schemas.openxmlformats.org/presentationml/2006/main" userDrawn="1">
-  <p:cSld name="Two Content 2">
-    <p:bg>
-      <p:bgPr>
-        <a:solidFill>
-          <a:schemeClr val="bg1"/>
-        </a:solidFill>
-        <a:effectLst/>
-      </p:bgPr>
-    </p:bg>
-    <p:spTree>
-      <p:nvGrpSpPr>
-        <p:cNvPr id="1" name=""/>
-        <p:cNvGrpSpPr/>
-        <p:nvPr/>
-      </p:nvGrpSpPr>
-      <p:grpSpPr>
-        <a:xfrm>
-          <a:off x="0" y="0"/>
-          <a:ext cx="0" cy="0"/>
-          <a:chOff x="0" y="0"/>
-          <a:chExt cx="0" cy="0"/>
-        </a:xfrm>
-      </p:grpSpPr>
-      <p:sp>
-        <p:nvSpPr>
-          <p:cNvPr id="2" name="Title 1">
-            <a:extLst>
-              <a:ext uri="{FF2B5EF4-FFF2-40B4-BE49-F238E27FC236}">
-                <a16:creationId xmlns:a16="http://schemas.microsoft.com/office/drawing/2014/main" id="{81CF3B5C-31C4-46BA-9FAD-72DF917A84DA}"/>
-              </a:ext>
-            </a:extLst>
-          </p:cNvPr>
-          <p:cNvSpPr>
-            <a:spLocks noGrp="1"/>
-          </p:cNvSpPr>
-          <p:nvPr>
-            <p:ph type="title" hasCustomPrompt="1"/>
-          </p:nvPr>
-        </p:nvSpPr>
-        <p:spPr>
-          <a:xfrm>
-            <a:off x="1341120" y="558801"/>
-            <a:ext cx="9953308" cy="1780860"/>
-          </a:xfrm>
-        </p:spPr>
-        <p:txBody>
-          <a:bodyPr anchor="b">
-            <a:normAutofit/>
-          </a:bodyPr>
-          <a:lstStyle>
-            <a:lvl1pPr>
-              <a:defRPr lang="en-US" sz="2800" kern="1200" spc="150" baseline="0" dirty="0">
-                <a:solidFill>
-                  <a:schemeClr val="tx1"/>
-                </a:solidFill>
-                <a:latin typeface="+mj-lt"/>
-                <a:ea typeface="+mj-ea"/>
-                <a:cs typeface="+mj-cs"/>
-              </a:defRPr>
-            </a:lvl1pPr>
-          </a:lstStyle>
-          <a:p>
-            <a:r>
-              <a:rPr lang="en-US" dirty="0"/>
-              <a:t>CLICK TO add title</a:t>
-            </a:r>
-          </a:p>
-        </p:txBody>
-      </p:sp>
-      <p:grpSp>
-        <p:nvGrpSpPr>
-          <p:cNvPr id="10" name="Group 9">
-            <a:extLst>
-              <a:ext uri="{FF2B5EF4-FFF2-40B4-BE49-F238E27FC236}">
-                <a16:creationId xmlns:a16="http://schemas.microsoft.com/office/drawing/2014/main" id="{6A217F83-0BDB-C70B-29FE-2651DE191533}"/>
-              </a:ext>
-              <a:ext uri="{C183D7F6-B498-43B3-948B-1728B52AA6E4}">
-                <adec:decorative xmlns:adec="http://schemas.microsoft.com/office/drawing/2017/decorative" val="1"/>
-              </a:ext>
-            </a:extLst>
-          </p:cNvPr>
-          <p:cNvGrpSpPr/>
-          <p:nvPr userDrawn="1"/>
-        </p:nvGrpSpPr>
-        <p:grpSpPr>
-          <a:xfrm>
-            <a:off x="4429817" y="0"/>
-            <a:ext cx="7762183" cy="2754814"/>
-            <a:chOff x="7334250" y="0"/>
-            <a:chExt cx="4857750" cy="1724025"/>
-          </a:xfrm>
-        </p:grpSpPr>
-        <p:cxnSp>
-          <p:nvCxnSpPr>
-            <p:cNvPr id="11" name="Straight Connector 10">
-              <a:extLst>
-                <a:ext uri="{FF2B5EF4-FFF2-40B4-BE49-F238E27FC236}">
-                  <a16:creationId xmlns:a16="http://schemas.microsoft.com/office/drawing/2014/main" id="{E0C62368-3F79-C078-7086-B23D2F5A09F8}"/>
-                </a:ext>
-              </a:extLst>
-            </p:cNvPr>
-            <p:cNvCxnSpPr/>
-            <p:nvPr userDrawn="1"/>
-          </p:nvCxnSpPr>
-          <p:spPr>
-            <a:xfrm flipH="1" flipV="1">
-              <a:off x="7334250" y="0"/>
-              <a:ext cx="4857750" cy="762000"/>
-            </a:xfrm>
-            <a:prstGeom prst="line">
-              <a:avLst/>
-            </a:prstGeom>
-            <a:ln>
-              <a:solidFill>
-                <a:schemeClr val="tx1"/>
-              </a:solidFill>
-            </a:ln>
-          </p:spPr>
-          <p:style>
-            <a:lnRef idx="1">
-              <a:schemeClr val="accent1"/>
-            </a:lnRef>
-            <a:fillRef idx="0">
-              <a:schemeClr val="accent1"/>
-            </a:fillRef>
-            <a:effectRef idx="0">
-              <a:schemeClr val="accent1"/>
-            </a:effectRef>
-            <a:fontRef idx="minor">
-              <a:schemeClr val="tx1"/>
-            </a:fontRef>
-          </p:style>
-        </p:cxnSp>
-        <p:cxnSp>
-          <p:nvCxnSpPr>
-            <p:cNvPr id="12" name="Straight Connector 11">
-              <a:extLst>
-                <a:ext uri="{FF2B5EF4-FFF2-40B4-BE49-F238E27FC236}">
-                  <a16:creationId xmlns:a16="http://schemas.microsoft.com/office/drawing/2014/main" id="{609BDD71-BF2E-BDB0-A625-D8371AEA1CAB}"/>
-                </a:ext>
-              </a:extLst>
-            </p:cNvPr>
-            <p:cNvCxnSpPr>
-              <a:cxnSpLocks/>
-            </p:cNvCxnSpPr>
-            <p:nvPr userDrawn="1"/>
-          </p:nvCxnSpPr>
-          <p:spPr>
-            <a:xfrm>
-              <a:off x="11487150" y="0"/>
-              <a:ext cx="704850" cy="1724025"/>
-            </a:xfrm>
-            <a:prstGeom prst="line">
-              <a:avLst/>
-            </a:prstGeom>
-            <a:ln>
-              <a:solidFill>
-                <a:schemeClr val="tx1"/>
-              </a:solidFill>
-            </a:ln>
-          </p:spPr>
-          <p:style>
-            <a:lnRef idx="1">
-              <a:schemeClr val="accent1"/>
-            </a:lnRef>
-            <a:fillRef idx="0">
-              <a:schemeClr val="accent1"/>
-            </a:fillRef>
-            <a:effectRef idx="0">
-              <a:schemeClr val="accent1"/>
-            </a:effectRef>
-            <a:fontRef idx="minor">
-              <a:schemeClr val="tx1"/>
-            </a:fontRef>
-          </p:style>
-        </p:cxnSp>
-      </p:grpSp>
-      <p:sp>
-        <p:nvSpPr>
-          <p:cNvPr id="15" name="Text Placeholder 2">
-            <a:extLst>
-              <a:ext uri="{FF2B5EF4-FFF2-40B4-BE49-F238E27FC236}">
-                <a16:creationId xmlns:a16="http://schemas.microsoft.com/office/drawing/2014/main" id="{83354B96-CD25-BE1C-8CA2-3825F820B759}"/>
-              </a:ext>
-            </a:extLst>
-          </p:cNvPr>
-          <p:cNvSpPr>
-            <a:spLocks noGrp="1"/>
-          </p:cNvSpPr>
-          <p:nvPr>
-            <p:ph type="body" idx="1" hasCustomPrompt="1"/>
-          </p:nvPr>
-        </p:nvSpPr>
-        <p:spPr>
-          <a:xfrm>
-            <a:off x="1341120" y="2960877"/>
-            <a:ext cx="2722880" cy="351284"/>
-          </a:xfrm>
-        </p:spPr>
-        <p:txBody>
-          <a:bodyPr anchor="t">
-            <a:normAutofit/>
-          </a:bodyPr>
-          <a:lstStyle>
-            <a:lvl1pPr marL="0" indent="0">
-              <a:buNone/>
-              <a:defRPr lang="en-US" sz="1800" b="1" kern="1200" spc="50" baseline="0" dirty="0" smtClean="0">
-                <a:solidFill>
-                  <a:schemeClr val="tx1"/>
-                </a:solidFill>
-                <a:latin typeface="+mj-lt"/>
-                <a:ea typeface="+mj-ea"/>
-                <a:cs typeface="+mj-cs"/>
-              </a:defRPr>
-            </a:lvl1pPr>
-            <a:lvl2pPr marL="457200" indent="0">
-              <a:buNone/>
-              <a:defRPr sz="2000" b="1"/>
-            </a:lvl2pPr>
-            <a:lvl3pPr marL="914400" indent="0">
-              <a:buNone/>
-              <a:defRPr sz="1800" b="1"/>
-            </a:lvl3pPr>
-            <a:lvl4pPr marL="1371600" indent="0">
-              <a:buNone/>
-              <a:defRPr sz="1600" b="1"/>
-            </a:lvl4pPr>
-            <a:lvl5pPr marL="1828800" indent="0">
-              <a:buNone/>
-              <a:defRPr sz="1600" b="1"/>
-            </a:lvl5pPr>
-            <a:lvl6pPr marL="2286000" indent="0">
-              <a:buNone/>
-              <a:defRPr sz="1600" b="1"/>
-            </a:lvl6pPr>
-            <a:lvl7pPr marL="2743200" indent="0">
-              <a:buNone/>
-              <a:defRPr sz="1600" b="1"/>
-            </a:lvl7pPr>
-            <a:lvl8pPr marL="3200400" indent="0">
-              <a:buNone/>
-              <a:defRPr sz="1600" b="1"/>
-            </a:lvl8pPr>
-            <a:lvl9pPr marL="3657600" indent="0">
-              <a:buNone/>
-              <a:defRPr sz="1600" b="1"/>
-            </a:lvl9pPr>
-          </a:lstStyle>
-          <a:p>
-            <a:pPr lvl="0"/>
-            <a:r>
-              <a:rPr lang="en-US" dirty="0"/>
-              <a:t>Click to add text</a:t>
-            </a:r>
-          </a:p>
-        </p:txBody>
-      </p:sp>
-      <p:sp>
-        <p:nvSpPr>
-          <p:cNvPr id="5" name="Content Placeholder 3">
-            <a:extLst>
-              <a:ext uri="{FF2B5EF4-FFF2-40B4-BE49-F238E27FC236}">
-                <a16:creationId xmlns:a16="http://schemas.microsoft.com/office/drawing/2014/main" id="{CDD81865-54C7-7674-4B2E-041D05C1D146}"/>
-              </a:ext>
-            </a:extLst>
-          </p:cNvPr>
-          <p:cNvSpPr>
-            <a:spLocks noGrp="1"/>
-          </p:cNvSpPr>
-          <p:nvPr>
-            <p:ph sz="half" idx="15" hasCustomPrompt="1"/>
-          </p:nvPr>
-        </p:nvSpPr>
-        <p:spPr>
-          <a:xfrm>
-            <a:off x="1341120" y="3392035"/>
-            <a:ext cx="2722880" cy="2907164"/>
-          </a:xfrm>
-        </p:spPr>
-        <p:txBody>
-          <a:bodyPr tIns="0">
-            <a:normAutofit/>
-          </a:bodyPr>
-          <a:lstStyle>
-            <a:lvl1pPr marL="283464" indent="-283464">
-              <a:lnSpc>
-                <a:spcPct val="100000"/>
-              </a:lnSpc>
-              <a:buFont typeface="+mj-lt"/>
-              <a:buAutoNum type="arabicPeriod"/>
-              <a:defRPr sz="1800" b="0" spc="50" baseline="0"/>
-            </a:lvl1pPr>
-            <a:lvl2pPr marL="566928" indent="-342900">
-              <a:lnSpc>
-                <a:spcPct val="100000"/>
-              </a:lnSpc>
-              <a:spcBef>
-                <a:spcPts val="1000"/>
-              </a:spcBef>
-              <a:buFont typeface="+mj-lt"/>
-              <a:buAutoNum type="alphaLcPeriod"/>
-              <a:defRPr sz="1800" spc="50" baseline="0"/>
-            </a:lvl2pPr>
-            <a:lvl3pPr marL="850392" indent="-342900">
-              <a:lnSpc>
-                <a:spcPct val="100000"/>
-              </a:lnSpc>
-              <a:spcBef>
-                <a:spcPts val="1000"/>
-              </a:spcBef>
-              <a:buFont typeface="+mj-lt"/>
-              <a:buAutoNum type="arabicParenR"/>
-              <a:defRPr sz="1800" spc="50" baseline="0"/>
-            </a:lvl3pPr>
-            <a:lvl4pPr marL="1042416" indent="-342900">
-              <a:lnSpc>
-                <a:spcPct val="100000"/>
-              </a:lnSpc>
-              <a:spcBef>
-                <a:spcPts val="1000"/>
-              </a:spcBef>
-              <a:buFont typeface="+mj-lt"/>
-              <a:buAutoNum type="alphaLcParenR"/>
-              <a:defRPr sz="1800" spc="50" baseline="0"/>
-            </a:lvl4pPr>
-            <a:lvl5pPr marL="1074420" indent="-400050">
-              <a:lnSpc>
-                <a:spcPct val="100000"/>
-              </a:lnSpc>
-              <a:spcBef>
-                <a:spcPts val="1000"/>
-              </a:spcBef>
-              <a:buFont typeface="+mj-lt"/>
-              <a:buAutoNum type="romanLcPeriod"/>
-              <a:defRPr sz="1800" spc="50" baseline="0"/>
-            </a:lvl5pPr>
-          </a:lstStyle>
-          <a:p>
-            <a:pPr lvl="0"/>
-            <a:r>
-              <a:rPr lang="en-US" dirty="0"/>
-              <a:t>Click to add content</a:t>
-            </a:r>
-          </a:p>
-          <a:p>
-            <a:pPr lvl="1"/>
-            <a:r>
-              <a:rPr lang="en-US" dirty="0"/>
-              <a:t>Second level</a:t>
-            </a:r>
-          </a:p>
-          <a:p>
-            <a:pPr lvl="2"/>
-            <a:r>
-              <a:rPr lang="en-US" dirty="0"/>
-              <a:t>Third level</a:t>
-            </a:r>
-          </a:p>
-          <a:p>
-            <a:pPr lvl="3"/>
-            <a:r>
-              <a:rPr lang="en-US" dirty="0"/>
-              <a:t>Fourth level</a:t>
-            </a:r>
-          </a:p>
-        </p:txBody>
-      </p:sp>
-      <p:sp>
-        <p:nvSpPr>
-          <p:cNvPr id="17" name="Text Placeholder 2">
-            <a:extLst>
-              <a:ext uri="{FF2B5EF4-FFF2-40B4-BE49-F238E27FC236}">
-                <a16:creationId xmlns:a16="http://schemas.microsoft.com/office/drawing/2014/main" id="{6F39BA57-7F1C-623F-BC7F-B689C5AC33EA}"/>
-              </a:ext>
-            </a:extLst>
-          </p:cNvPr>
-          <p:cNvSpPr>
-            <a:spLocks noGrp="1"/>
-          </p:cNvSpPr>
-          <p:nvPr>
-            <p:ph type="body" idx="10" hasCustomPrompt="1"/>
-          </p:nvPr>
-        </p:nvSpPr>
-        <p:spPr>
-          <a:xfrm>
-            <a:off x="4754881" y="2960877"/>
-            <a:ext cx="5516880" cy="351284"/>
-          </a:xfrm>
-        </p:spPr>
-        <p:txBody>
-          <a:bodyPr anchor="t">
-            <a:normAutofit/>
-          </a:bodyPr>
-          <a:lstStyle>
-            <a:lvl1pPr marL="0" indent="0">
-              <a:buNone/>
-              <a:defRPr lang="en-US" sz="1800" b="1" kern="1200" spc="50" baseline="0" dirty="0" smtClean="0">
-                <a:solidFill>
-                  <a:schemeClr val="tx1"/>
-                </a:solidFill>
-                <a:latin typeface="+mj-lt"/>
-                <a:ea typeface="+mj-ea"/>
-                <a:cs typeface="+mj-cs"/>
-              </a:defRPr>
-            </a:lvl1pPr>
-            <a:lvl2pPr marL="457200" indent="0">
-              <a:buNone/>
-              <a:defRPr sz="2000" b="1"/>
-            </a:lvl2pPr>
-            <a:lvl3pPr marL="914400" indent="0">
-              <a:buNone/>
-              <a:defRPr sz="1800" b="1"/>
-            </a:lvl3pPr>
-            <a:lvl4pPr marL="1371600" indent="0">
-              <a:buNone/>
-              <a:defRPr sz="1600" b="1"/>
-            </a:lvl4pPr>
-            <a:lvl5pPr marL="1828800" indent="0">
-              <a:buNone/>
-              <a:defRPr sz="1600" b="1"/>
-            </a:lvl5pPr>
-            <a:lvl6pPr marL="2286000" indent="0">
-              <a:buNone/>
-              <a:defRPr sz="1600" b="1"/>
-            </a:lvl6pPr>
-            <a:lvl7pPr marL="2743200" indent="0">
-              <a:buNone/>
-              <a:defRPr sz="1600" b="1"/>
-            </a:lvl7pPr>
-            <a:lvl8pPr marL="3200400" indent="0">
-              <a:buNone/>
-              <a:defRPr sz="1600" b="1"/>
-            </a:lvl8pPr>
-            <a:lvl9pPr marL="3657600" indent="0">
-              <a:buNone/>
-              <a:defRPr sz="1600" b="1"/>
-            </a:lvl9pPr>
-          </a:lstStyle>
-          <a:p>
-            <a:pPr lvl="0"/>
-            <a:r>
-              <a:rPr lang="en-US" dirty="0"/>
-              <a:t>Click to add text</a:t>
-            </a:r>
-          </a:p>
-        </p:txBody>
-      </p:sp>
-      <p:sp>
-        <p:nvSpPr>
-          <p:cNvPr id="3" name="Content Placeholder 3">
-            <a:extLst>
-              <a:ext uri="{FF2B5EF4-FFF2-40B4-BE49-F238E27FC236}">
-                <a16:creationId xmlns:a16="http://schemas.microsoft.com/office/drawing/2014/main" id="{94BF07A4-5A33-0B3C-A378-AB2435F1D5FF}"/>
-              </a:ext>
-            </a:extLst>
-          </p:cNvPr>
-          <p:cNvSpPr>
-            <a:spLocks noGrp="1"/>
-          </p:cNvSpPr>
-          <p:nvPr>
-            <p:ph sz="half" idx="14" hasCustomPrompt="1"/>
-          </p:nvPr>
-        </p:nvSpPr>
-        <p:spPr>
-          <a:xfrm>
-            <a:off x="4754881" y="3324859"/>
-            <a:ext cx="5506720" cy="3031489"/>
-          </a:xfrm>
-        </p:spPr>
-        <p:txBody>
-          <a:bodyPr tIns="0">
-            <a:normAutofit/>
-          </a:bodyPr>
-          <a:lstStyle>
-            <a:lvl1pPr marL="0" indent="0">
-              <a:lnSpc>
-                <a:spcPct val="100000"/>
-              </a:lnSpc>
-              <a:buFont typeface="Arial" panose="020B0604020202020204" pitchFamily="34" charset="0"/>
-              <a:buNone/>
-              <a:defRPr sz="1800" b="0" spc="50" baseline="0"/>
-            </a:lvl1pPr>
-            <a:lvl2pPr marL="283464" indent="-285750">
-              <a:lnSpc>
-                <a:spcPct val="100000"/>
-              </a:lnSpc>
-              <a:spcBef>
-                <a:spcPts val="1000"/>
-              </a:spcBef>
-              <a:buFont typeface="Arial" panose="020B0604020202020204" pitchFamily="34" charset="0"/>
-              <a:buChar char="•"/>
-              <a:defRPr sz="1800" spc="50" baseline="0"/>
-            </a:lvl2pPr>
-            <a:lvl3pPr marL="566928" indent="-285750">
-              <a:lnSpc>
-                <a:spcPct val="100000"/>
-              </a:lnSpc>
-              <a:spcBef>
-                <a:spcPts val="1000"/>
-              </a:spcBef>
-              <a:buFont typeface="Arial" panose="020B0604020202020204" pitchFamily="34" charset="0"/>
-              <a:buChar char="•"/>
-              <a:defRPr sz="1800" spc="50" baseline="0"/>
-            </a:lvl3pPr>
-            <a:lvl4pPr marL="859536" indent="-285750">
-              <a:lnSpc>
-                <a:spcPct val="100000"/>
-              </a:lnSpc>
-              <a:spcBef>
-                <a:spcPts val="1000"/>
-              </a:spcBef>
-              <a:buFont typeface="Arial" panose="020B0604020202020204" pitchFamily="34" charset="0"/>
-              <a:buChar char="•"/>
-              <a:defRPr sz="1800" spc="50" baseline="0"/>
-            </a:lvl4pPr>
-            <a:lvl5pPr marL="1143000" indent="-285750">
-              <a:lnSpc>
-                <a:spcPct val="100000"/>
-              </a:lnSpc>
-              <a:spcBef>
-                <a:spcPts val="1000"/>
-              </a:spcBef>
-              <a:buFont typeface="Arial" panose="020B0604020202020204" pitchFamily="34" charset="0"/>
-              <a:buChar char="•"/>
-              <a:defRPr sz="1800" spc="50" baseline="0"/>
-            </a:lvl5pPr>
-          </a:lstStyle>
-          <a:p>
-            <a:pPr lvl="0"/>
-            <a:r>
-              <a:rPr lang="en-US" dirty="0"/>
-              <a:t>Click to add content</a:t>
-            </a:r>
-          </a:p>
-          <a:p>
-            <a:pPr lvl="1"/>
-            <a:r>
-              <a:rPr lang="en-US" dirty="0"/>
-              <a:t>Second level</a:t>
-            </a:r>
-          </a:p>
-          <a:p>
-            <a:pPr lvl="2"/>
-            <a:r>
-              <a:rPr lang="en-US" dirty="0"/>
-              <a:t>Third level</a:t>
-            </a:r>
-          </a:p>
-          <a:p>
-            <a:pPr lvl="3"/>
-            <a:r>
-              <a:rPr lang="en-US" dirty="0"/>
-              <a:t>Fourth level</a:t>
-            </a:r>
-          </a:p>
-          <a:p>
-            <a:pPr lvl="4"/>
-            <a:r>
-              <a:rPr lang="en-US" dirty="0"/>
-              <a:t>Fifth level</a:t>
-            </a:r>
-          </a:p>
-        </p:txBody>
-      </p:sp>
-      <p:sp>
-        <p:nvSpPr>
-          <p:cNvPr id="19" name="Footer Placeholder 4">
-            <a:extLst>
-              <a:ext uri="{FF2B5EF4-FFF2-40B4-BE49-F238E27FC236}">
-                <a16:creationId xmlns:a16="http://schemas.microsoft.com/office/drawing/2014/main" id="{63DC63A6-41FE-6C2D-9A53-0AE4A6DBF39B}"/>
-              </a:ext>
-            </a:extLst>
-          </p:cNvPr>
-          <p:cNvSpPr>
-            <a:spLocks noGrp="1"/>
-          </p:cNvSpPr>
-          <p:nvPr>
-            <p:ph type="ftr" sz="quarter" idx="12"/>
-          </p:nvPr>
-        </p:nvSpPr>
-        <p:spPr>
-          <a:xfrm>
-            <a:off x="1333500" y="6356349"/>
-            <a:ext cx="3819228" cy="365125"/>
-          </a:xfrm>
-        </p:spPr>
-        <p:txBody>
-          <a:bodyPr/>
-          <a:lstStyle>
-            <a:lvl1pPr algn="l">
-              <a:defRPr sz="900"/>
-            </a:lvl1pPr>
-          </a:lstStyle>
-          <a:p>
-            <a:r>
-              <a:rPr lang="en-US" dirty="0"/>
-              <a:t>PRESENTATION TITLE</a:t>
-            </a:r>
-          </a:p>
-        </p:txBody>
-      </p:sp>
-      <p:sp>
-        <p:nvSpPr>
-          <p:cNvPr id="20" name="Slide Number Placeholder 5">
-            <a:extLst>
-              <a:ext uri="{FF2B5EF4-FFF2-40B4-BE49-F238E27FC236}">
-                <a16:creationId xmlns:a16="http://schemas.microsoft.com/office/drawing/2014/main" id="{0B5130EC-B05B-5489-FBEC-DBEB6D1E737D}"/>
-              </a:ext>
-            </a:extLst>
-          </p:cNvPr>
-          <p:cNvSpPr>
-            <a:spLocks noGrp="1"/>
-          </p:cNvSpPr>
-          <p:nvPr>
-            <p:ph type="sldNum" sz="quarter" idx="13"/>
-          </p:nvPr>
-        </p:nvSpPr>
-        <p:spPr>
-          <a:xfrm>
-            <a:off x="10373350" y="6356349"/>
-            <a:ext cx="987552" cy="365125"/>
-          </a:xfrm>
-        </p:spPr>
-        <p:txBody>
-          <a:bodyPr/>
-          <a:lstStyle>
-            <a:lvl1pPr>
-              <a:defRPr sz="900"/>
-            </a:lvl1pPr>
-          </a:lstStyle>
-          <a:p>
-            <a:fld id="{A49DFD55-3C28-40EF-9E31-A92D2E4017FF}" type="slidenum">
-              <a:rPr lang="en-US" smtClean="0"/>
-              <a:pPr/>
-              <a:t>‹#›</a:t>
-            </a:fld>
-            <a:endParaRPr lang="en-US" dirty="0"/>
-          </a:p>
-        </p:txBody>
-      </p:sp>
-    </p:spTree>
-    <p:extLst>
-      <p:ext uri="{BB962C8B-B14F-4D97-AF65-F5344CB8AC3E}">
-        <p14:creationId xmlns:p14="http://schemas.microsoft.com/office/powerpoint/2010/main" val="3255474577"/>
-      </p:ext>
-    </p:extLst>
-  </p:cSld>
-  <p:clrMapOvr>
-    <a:masterClrMapping/>
-  </p:clrMapOvr>
-</p:sldLayout>
-</file>
-
-<file path=ppt/slideLayouts/slideLayout13.xml><?xml version="1.0" encoding="utf-8"?>
 <p:sldLayout xmlns:a="http://schemas.openxmlformats.org/drawingml/2006/main" xmlns:r="http://schemas.openxmlformats.org/officeDocument/2006/relationships" xmlns:p="http://schemas.openxmlformats.org/presentationml/2006/main" userDrawn="1">
   <p:cSld name="Table 2">
     <p:bg>
@@ -2342,430 +1571,7 @@
 </p:sldLayout>
 </file>
 
-<file path=ppt/slideLayouts/slideLayout14.xml><?xml version="1.0" encoding="utf-8"?>
-<p:sldLayout xmlns:a="http://schemas.openxmlformats.org/drawingml/2006/main" xmlns:r="http://schemas.openxmlformats.org/officeDocument/2006/relationships" xmlns:p="http://schemas.openxmlformats.org/presentationml/2006/main" userDrawn="1">
-  <p:cSld name="Introduction">
-    <p:spTree>
-      <p:nvGrpSpPr>
-        <p:cNvPr id="1" name=""/>
-        <p:cNvGrpSpPr/>
-        <p:nvPr/>
-      </p:nvGrpSpPr>
-      <p:grpSpPr>
-        <a:xfrm>
-          <a:off x="0" y="0"/>
-          <a:ext cx="0" cy="0"/>
-          <a:chOff x="0" y="0"/>
-          <a:chExt cx="0" cy="0"/>
-        </a:xfrm>
-      </p:grpSpPr>
-      <p:sp>
-        <p:nvSpPr>
-          <p:cNvPr id="2" name="Title 1">
-            <a:extLst>
-              <a:ext uri="{FF2B5EF4-FFF2-40B4-BE49-F238E27FC236}">
-                <a16:creationId xmlns:a16="http://schemas.microsoft.com/office/drawing/2014/main" id="{23A3821F-4537-4AE7-8829-C2E3AE60F6E1}"/>
-              </a:ext>
-            </a:extLst>
-          </p:cNvPr>
-          <p:cNvSpPr>
-            <a:spLocks noGrp="1"/>
-          </p:cNvSpPr>
-          <p:nvPr>
-            <p:ph type="title" hasCustomPrompt="1"/>
-          </p:nvPr>
-        </p:nvSpPr>
-        <p:spPr>
-          <a:xfrm>
-            <a:off x="1322318" y="268360"/>
-            <a:ext cx="7288282" cy="2121177"/>
-          </a:xfrm>
-        </p:spPr>
-        <p:txBody>
-          <a:bodyPr anchor="b">
-            <a:normAutofit/>
-          </a:bodyPr>
-          <a:lstStyle>
-            <a:lvl1pPr>
-              <a:defRPr lang="en-US" sz="2800" kern="1200" spc="150" baseline="0" dirty="0">
-                <a:solidFill>
-                  <a:schemeClr val="tx1"/>
-                </a:solidFill>
-                <a:latin typeface="+mj-lt"/>
-                <a:ea typeface="+mj-ea"/>
-                <a:cs typeface="+mj-cs"/>
-              </a:defRPr>
-            </a:lvl1pPr>
-          </a:lstStyle>
-          <a:p>
-            <a:r>
-              <a:rPr lang="en-US" dirty="0"/>
-              <a:t>CLICK TO add title</a:t>
-            </a:r>
-          </a:p>
-        </p:txBody>
-      </p:sp>
-      <p:sp>
-        <p:nvSpPr>
-          <p:cNvPr id="3" name="Content Placeholder 3">
-            <a:extLst>
-              <a:ext uri="{FF2B5EF4-FFF2-40B4-BE49-F238E27FC236}">
-                <a16:creationId xmlns:a16="http://schemas.microsoft.com/office/drawing/2014/main" id="{EAC9D25F-5B3D-F5B2-5D02-C6BC6AA8987B}"/>
-              </a:ext>
-            </a:extLst>
-          </p:cNvPr>
-          <p:cNvSpPr>
-            <a:spLocks noGrp="1"/>
-          </p:cNvSpPr>
-          <p:nvPr>
-            <p:ph sz="half" idx="2" hasCustomPrompt="1"/>
-          </p:nvPr>
-        </p:nvSpPr>
-        <p:spPr>
-          <a:xfrm>
-            <a:off x="1322388" y="2763078"/>
-            <a:ext cx="7288212" cy="3407051"/>
-          </a:xfrm>
-        </p:spPr>
-        <p:txBody>
-          <a:bodyPr>
-            <a:normAutofit/>
-          </a:bodyPr>
-          <a:lstStyle>
-            <a:lvl1pPr marL="0" indent="0">
-              <a:lnSpc>
-                <a:spcPct val="100000"/>
-              </a:lnSpc>
-              <a:buFont typeface="Arial" panose="020B0604020202020204" pitchFamily="34" charset="0"/>
-              <a:buNone/>
-              <a:defRPr sz="1800" b="1" spc="50" baseline="0"/>
-            </a:lvl1pPr>
-            <a:lvl2pPr marL="283464" indent="-285750">
-              <a:lnSpc>
-                <a:spcPct val="100000"/>
-              </a:lnSpc>
-              <a:spcBef>
-                <a:spcPts val="1000"/>
-              </a:spcBef>
-              <a:buFont typeface="Arial" panose="020B0604020202020204" pitchFamily="34" charset="0"/>
-              <a:buChar char="•"/>
-              <a:defRPr sz="1800" spc="50" baseline="0"/>
-            </a:lvl2pPr>
-            <a:lvl3pPr marL="566928" indent="-285750">
-              <a:lnSpc>
-                <a:spcPct val="100000"/>
-              </a:lnSpc>
-              <a:spcBef>
-                <a:spcPts val="1000"/>
-              </a:spcBef>
-              <a:buFont typeface="Arial" panose="020B0604020202020204" pitchFamily="34" charset="0"/>
-              <a:buChar char="•"/>
-              <a:defRPr sz="1800" spc="50" baseline="0"/>
-            </a:lvl3pPr>
-            <a:lvl4pPr marL="859536" indent="-285750">
-              <a:lnSpc>
-                <a:spcPct val="100000"/>
-              </a:lnSpc>
-              <a:spcBef>
-                <a:spcPts val="1000"/>
-              </a:spcBef>
-              <a:buFont typeface="Arial" panose="020B0604020202020204" pitchFamily="34" charset="0"/>
-              <a:buChar char="•"/>
-              <a:defRPr sz="1800" spc="50" baseline="0"/>
-            </a:lvl4pPr>
-            <a:lvl5pPr marL="1143000" indent="-285750">
-              <a:lnSpc>
-                <a:spcPct val="100000"/>
-              </a:lnSpc>
-              <a:spcBef>
-                <a:spcPts val="1000"/>
-              </a:spcBef>
-              <a:buFont typeface="Arial" panose="020B0604020202020204" pitchFamily="34" charset="0"/>
-              <a:buChar char="•"/>
-              <a:defRPr sz="1800" spc="50" baseline="0"/>
-            </a:lvl5pPr>
-          </a:lstStyle>
-          <a:p>
-            <a:pPr lvl="0"/>
-            <a:r>
-              <a:rPr lang="en-US" dirty="0"/>
-              <a:t>Click to add content</a:t>
-            </a:r>
-          </a:p>
-          <a:p>
-            <a:pPr lvl="1"/>
-            <a:r>
-              <a:rPr lang="en-US" dirty="0"/>
-              <a:t>Second level</a:t>
-            </a:r>
-          </a:p>
-          <a:p>
-            <a:pPr lvl="2"/>
-            <a:r>
-              <a:rPr lang="en-US" dirty="0"/>
-              <a:t>Third level</a:t>
-            </a:r>
-          </a:p>
-          <a:p>
-            <a:pPr lvl="3"/>
-            <a:r>
-              <a:rPr lang="en-US" dirty="0"/>
-              <a:t>Fourth level</a:t>
-            </a:r>
-          </a:p>
-          <a:p>
-            <a:pPr lvl="4"/>
-            <a:r>
-              <a:rPr lang="en-US" dirty="0"/>
-              <a:t>Fifth level</a:t>
-            </a:r>
-          </a:p>
-        </p:txBody>
-      </p:sp>
-      <p:grpSp>
-        <p:nvGrpSpPr>
-          <p:cNvPr id="9" name="Group 8">
-            <a:extLst>
-              <a:ext uri="{FF2B5EF4-FFF2-40B4-BE49-F238E27FC236}">
-                <a16:creationId xmlns:a16="http://schemas.microsoft.com/office/drawing/2014/main" id="{18E16CF1-2502-F2F0-2C27-2DD7979033E2}"/>
-              </a:ext>
-              <a:ext uri="{C183D7F6-B498-43B3-948B-1728B52AA6E4}">
-                <adec:decorative xmlns:adec="http://schemas.microsoft.com/office/drawing/2017/decorative" val="1"/>
-              </a:ext>
-            </a:extLst>
-          </p:cNvPr>
-          <p:cNvGrpSpPr/>
-          <p:nvPr userDrawn="1"/>
-        </p:nvGrpSpPr>
-        <p:grpSpPr>
-          <a:xfrm>
-            <a:off x="9096374" y="-25401"/>
-            <a:ext cx="3095625" cy="6883401"/>
-            <a:chOff x="9096375" y="-25401"/>
-            <a:chExt cx="3095625" cy="6883401"/>
-          </a:xfrm>
-        </p:grpSpPr>
-        <p:cxnSp>
-          <p:nvCxnSpPr>
-            <p:cNvPr id="10" name="Straight Connector 9">
-              <a:extLst>
-                <a:ext uri="{FF2B5EF4-FFF2-40B4-BE49-F238E27FC236}">
-                  <a16:creationId xmlns:a16="http://schemas.microsoft.com/office/drawing/2014/main" id="{6322A6FB-333C-65AE-23D8-08BCEA174D43}"/>
-                </a:ext>
-              </a:extLst>
-            </p:cNvPr>
-            <p:cNvCxnSpPr/>
-            <p:nvPr userDrawn="1"/>
-          </p:nvCxnSpPr>
-          <p:spPr>
-            <a:xfrm>
-              <a:off x="9096375" y="1497012"/>
-              <a:ext cx="3095625" cy="0"/>
-            </a:xfrm>
-            <a:prstGeom prst="line">
-              <a:avLst/>
-            </a:prstGeom>
-            <a:ln>
-              <a:solidFill>
-                <a:schemeClr val="tx1"/>
-              </a:solidFill>
-            </a:ln>
-          </p:spPr>
-          <p:style>
-            <a:lnRef idx="1">
-              <a:schemeClr val="accent1"/>
-            </a:lnRef>
-            <a:fillRef idx="0">
-              <a:schemeClr val="accent1"/>
-            </a:fillRef>
-            <a:effectRef idx="0">
-              <a:schemeClr val="accent1"/>
-            </a:effectRef>
-            <a:fontRef idx="minor">
-              <a:schemeClr val="tx1"/>
-            </a:fontRef>
-          </p:style>
-        </p:cxnSp>
-        <p:cxnSp>
-          <p:nvCxnSpPr>
-            <p:cNvPr id="11" name="Straight Connector 10">
-              <a:extLst>
-                <a:ext uri="{FF2B5EF4-FFF2-40B4-BE49-F238E27FC236}">
-                  <a16:creationId xmlns:a16="http://schemas.microsoft.com/office/drawing/2014/main" id="{162BB247-4598-A983-DEBF-6F042C1DB0BC}"/>
-                </a:ext>
-              </a:extLst>
-            </p:cNvPr>
-            <p:cNvCxnSpPr>
-              <a:cxnSpLocks/>
-            </p:cNvCxnSpPr>
-            <p:nvPr userDrawn="1"/>
-          </p:nvCxnSpPr>
-          <p:spPr>
-            <a:xfrm flipH="1">
-              <a:off x="9381744" y="-25401"/>
-              <a:ext cx="2810256" cy="6883401"/>
-            </a:xfrm>
-            <a:prstGeom prst="line">
-              <a:avLst/>
-            </a:prstGeom>
-            <a:ln>
-              <a:solidFill>
-                <a:schemeClr val="tx1"/>
-              </a:solidFill>
-            </a:ln>
-          </p:spPr>
-          <p:style>
-            <a:lnRef idx="1">
-              <a:schemeClr val="accent1"/>
-            </a:lnRef>
-            <a:fillRef idx="0">
-              <a:schemeClr val="accent1"/>
-            </a:fillRef>
-            <a:effectRef idx="0">
-              <a:schemeClr val="accent1"/>
-            </a:effectRef>
-            <a:fontRef idx="minor">
-              <a:schemeClr val="tx1"/>
-            </a:fontRef>
-          </p:style>
-        </p:cxnSp>
-      </p:grpSp>
-      <p:cxnSp>
-        <p:nvCxnSpPr>
-          <p:cNvPr id="12" name="Straight Connector 11">
-            <a:extLst>
-              <a:ext uri="{FF2B5EF4-FFF2-40B4-BE49-F238E27FC236}">
-                <a16:creationId xmlns:a16="http://schemas.microsoft.com/office/drawing/2014/main" id="{34E84FEE-D475-A71D-7996-5925602ECF9A}"/>
-              </a:ext>
-              <a:ext uri="{C183D7F6-B498-43B3-948B-1728B52AA6E4}">
-                <adec:decorative xmlns:adec="http://schemas.microsoft.com/office/drawing/2017/decorative" val="1"/>
-              </a:ext>
-            </a:extLst>
-          </p:cNvPr>
-          <p:cNvCxnSpPr>
-            <a:cxnSpLocks/>
-          </p:cNvCxnSpPr>
-          <p:nvPr userDrawn="1"/>
-        </p:nvCxnSpPr>
-        <p:spPr>
-          <a:xfrm rot="10800000" flipH="1">
-            <a:off x="-1" y="-25403"/>
-            <a:ext cx="1210573" cy="2048161"/>
-          </a:xfrm>
-          <a:prstGeom prst="line">
-            <a:avLst/>
-          </a:prstGeom>
-          <a:ln>
-            <a:solidFill>
-              <a:schemeClr val="tx1"/>
-            </a:solidFill>
-          </a:ln>
-        </p:spPr>
-        <p:style>
-          <a:lnRef idx="1">
-            <a:schemeClr val="accent1"/>
-          </a:lnRef>
-          <a:fillRef idx="0">
-            <a:schemeClr val="accent1"/>
-          </a:fillRef>
-          <a:effectRef idx="0">
-            <a:schemeClr val="accent1"/>
-          </a:effectRef>
-          <a:fontRef idx="minor">
-            <a:schemeClr val="tx1"/>
-          </a:fontRef>
-        </p:style>
-      </p:cxnSp>
-      <p:sp>
-        <p:nvSpPr>
-          <p:cNvPr id="15" name="Footer Placeholder 4">
-            <a:extLst>
-              <a:ext uri="{FF2B5EF4-FFF2-40B4-BE49-F238E27FC236}">
-                <a16:creationId xmlns:a16="http://schemas.microsoft.com/office/drawing/2014/main" id="{7459776D-4049-CB00-C321-0627C169BC51}"/>
-              </a:ext>
-            </a:extLst>
-          </p:cNvPr>
-          <p:cNvSpPr>
-            <a:spLocks noGrp="1"/>
-          </p:cNvSpPr>
-          <p:nvPr>
-            <p:ph type="ftr" sz="quarter" idx="11"/>
-          </p:nvPr>
-        </p:nvSpPr>
-        <p:spPr>
-          <a:xfrm>
-            <a:off x="1333500" y="6356349"/>
-            <a:ext cx="3819228" cy="365125"/>
-          </a:xfrm>
-        </p:spPr>
-        <p:txBody>
-          <a:bodyPr/>
-          <a:lstStyle>
-            <a:lvl1pPr algn="l">
-              <a:defRPr sz="900"/>
-            </a:lvl1pPr>
-          </a:lstStyle>
-          <a:p>
-            <a:r>
-              <a:rPr lang="en-US" dirty="0"/>
-              <a:t>PRESENTATION TITLE</a:t>
-            </a:r>
-          </a:p>
-        </p:txBody>
-      </p:sp>
-      <p:sp>
-        <p:nvSpPr>
-          <p:cNvPr id="16" name="Slide Number Placeholder 5">
-            <a:extLst>
-              <a:ext uri="{FF2B5EF4-FFF2-40B4-BE49-F238E27FC236}">
-                <a16:creationId xmlns:a16="http://schemas.microsoft.com/office/drawing/2014/main" id="{EDE114AF-34C6-A062-7340-858BC27DA264}"/>
-              </a:ext>
-            </a:extLst>
-          </p:cNvPr>
-          <p:cNvSpPr>
-            <a:spLocks noGrp="1"/>
-          </p:cNvSpPr>
-          <p:nvPr>
-            <p:ph type="sldNum" sz="quarter" idx="12"/>
-          </p:nvPr>
-        </p:nvSpPr>
-        <p:spPr>
-          <a:xfrm>
-            <a:off x="10373350" y="6356349"/>
-            <a:ext cx="987552" cy="365125"/>
-          </a:xfrm>
-        </p:spPr>
-        <p:txBody>
-          <a:bodyPr/>
-          <a:lstStyle>
-            <a:lvl1pPr>
-              <a:defRPr sz="900"/>
-            </a:lvl1pPr>
-          </a:lstStyle>
-          <a:p>
-            <a:fld id="{A49DFD55-3C28-40EF-9E31-A92D2E4017FF}" type="slidenum">
-              <a:rPr lang="en-US" smtClean="0"/>
-              <a:pPr/>
-              <a:t>‹#›</a:t>
-            </a:fld>
-            <a:endParaRPr lang="en-US" dirty="0"/>
-          </a:p>
-        </p:txBody>
-      </p:sp>
-    </p:spTree>
-    <p:extLst>
-      <p:ext uri="{BB962C8B-B14F-4D97-AF65-F5344CB8AC3E}">
-        <p14:creationId xmlns:p14="http://schemas.microsoft.com/office/powerpoint/2010/main" val="2174472286"/>
-      </p:ext>
-    </p:extLst>
-  </p:cSld>
-  <p:clrMapOvr>
-    <a:masterClrMapping/>
-  </p:clrMapOvr>
-</p:sldLayout>
-</file>
-
-<file path=ppt/slideLayouts/slideLayout15.xml><?xml version="1.0" encoding="utf-8"?>
+<file path=ppt/slideLayouts/slideLayout13.xml><?xml version="1.0" encoding="utf-8"?>
 <p:sldLayout xmlns:a="http://schemas.openxmlformats.org/drawingml/2006/main" xmlns:r="http://schemas.openxmlformats.org/officeDocument/2006/relationships" xmlns:p="http://schemas.openxmlformats.org/presentationml/2006/main" userDrawn="1">
   <p:cSld name="Summary">
     <p:spTree>
@@ -3407,7 +2213,7 @@
           <a:p>
             <a:fld id="{84FB859E-B9F7-4B38-A4B3-6B844132A739}" type="datetimeFigureOut">
               <a:rPr lang="en-US" smtClean="0"/>
-              <a:t>9/11/2024</a:t>
+              <a:t>9/23/2024</a:t>
             </a:fld>
             <a:endParaRPr lang="en-US"/>
           </a:p>
@@ -3682,7 +2488,7 @@
           <a:p>
             <a:fld id="{84FB859E-B9F7-4B38-A4B3-6B844132A739}" type="datetimeFigureOut">
               <a:rPr lang="en-US" smtClean="0"/>
-              <a:t>9/11/2024</a:t>
+              <a:t>9/23/2024</a:t>
             </a:fld>
             <a:endParaRPr lang="en-US"/>
           </a:p>
@@ -3947,7 +2753,7 @@
           <a:p>
             <a:fld id="{84FB859E-B9F7-4B38-A4B3-6B844132A739}" type="datetimeFigureOut">
               <a:rPr lang="en-US" smtClean="0"/>
-              <a:t>9/11/2024</a:t>
+              <a:t>9/23/2024</a:t>
             </a:fld>
             <a:endParaRPr lang="en-US"/>
           </a:p>
@@ -4359,7 +3165,7 @@
           <a:p>
             <a:fld id="{84FB859E-B9F7-4B38-A4B3-6B844132A739}" type="datetimeFigureOut">
               <a:rPr lang="en-US" smtClean="0"/>
-              <a:t>9/11/2024</a:t>
+              <a:t>9/23/2024</a:t>
             </a:fld>
             <a:endParaRPr lang="en-US"/>
           </a:p>
@@ -4500,7 +3306,7 @@
           <a:p>
             <a:fld id="{84FB859E-B9F7-4B38-A4B3-6B844132A739}" type="datetimeFigureOut">
               <a:rPr lang="en-US" smtClean="0"/>
-              <a:t>9/11/2024</a:t>
+              <a:t>9/23/2024</a:t>
             </a:fld>
             <a:endParaRPr lang="en-US"/>
           </a:p>
@@ -4613,7 +3419,7 @@
           <a:p>
             <a:fld id="{84FB859E-B9F7-4B38-A4B3-6B844132A739}" type="datetimeFigureOut">
               <a:rPr lang="en-US" smtClean="0"/>
-              <a:t>9/11/2024</a:t>
+              <a:t>9/23/2024</a:t>
             </a:fld>
             <a:endParaRPr lang="en-US"/>
           </a:p>
@@ -4924,7 +3730,7 @@
           <a:p>
             <a:fld id="{84FB859E-B9F7-4B38-A4B3-6B844132A739}" type="datetimeFigureOut">
               <a:rPr lang="en-US" smtClean="0"/>
-              <a:t>9/11/2024</a:t>
+              <a:t>9/23/2024</a:t>
             </a:fld>
             <a:endParaRPr lang="en-US"/>
           </a:p>
@@ -5212,7 +4018,7 @@
           <a:p>
             <a:fld id="{84FB859E-B9F7-4B38-A4B3-6B844132A739}" type="datetimeFigureOut">
               <a:rPr lang="en-US" smtClean="0"/>
-              <a:t>9/11/2024</a:t>
+              <a:t>9/23/2024</a:t>
             </a:fld>
             <a:endParaRPr lang="en-US"/>
           </a:p>
@@ -5453,7 +4259,7 @@
           <a:p>
             <a:fld id="{84FB859E-B9F7-4B38-A4B3-6B844132A739}" type="datetimeFigureOut">
               <a:rPr lang="en-US" smtClean="0"/>
-              <a:t>9/11/2024</a:t>
+              <a:t>9/23/2024</a:t>
             </a:fld>
             <a:endParaRPr lang="en-US"/>
           </a:p>
@@ -5569,10 +4375,8 @@
     <p:sldLayoutId id="2147483657" r:id="rId9"/>
     <p:sldLayoutId id="2147483658" r:id="rId10"/>
     <p:sldLayoutId id="2147483659" r:id="rId11"/>
-    <p:sldLayoutId id="2147483660" r:id="rId12"/>
-    <p:sldLayoutId id="2147483661" r:id="rId13"/>
-    <p:sldLayoutId id="2147483662" r:id="rId14"/>
-    <p:sldLayoutId id="2147483663" r:id="rId15"/>
+    <p:sldLayoutId id="2147483661" r:id="rId12"/>
+    <p:sldLayoutId id="2147483663" r:id="rId13"/>
   </p:sldLayoutIdLst>
   <p:txStyles>
     <p:titleStyle>
@@ -6313,7 +5117,7 @@
           <p:cNvPr id="4" name="Slide Number Placeholder 3">
             <a:extLst>
               <a:ext uri="{FF2B5EF4-FFF2-40B4-BE49-F238E27FC236}">
-                <a16:creationId xmlns:a16="http://schemas.microsoft.com/office/drawing/2014/main" id="{648B0B58-5762-BFAE-9FEE-4B827060CB36}"/>
+                <a16:creationId xmlns:a16="http://schemas.microsoft.com/office/drawing/2014/main" id="{F32DC940-FA4D-0AC2-40FD-088618E43475}"/>
               </a:ext>
             </a:extLst>
           </p:cNvPr>
@@ -6340,10 +5144,10 @@
       </p:sp>
       <p:pic>
         <p:nvPicPr>
-          <p:cNvPr id="1030" name="Picture 6" descr="PRÁCTICA 16: SPIFFS – Almacenamiento y visualización de medidas de  distancia/altura de un sensor HC-SR04 – ESPloradores">
-            <a:extLst>
-              <a:ext uri="{FF2B5EF4-FFF2-40B4-BE49-F238E27FC236}">
-                <a16:creationId xmlns:a16="http://schemas.microsoft.com/office/drawing/2014/main" id="{25F75052-1E06-4D54-A339-1456D4F4FC08}"/>
+          <p:cNvPr id="3" name="Picture 2" descr="أطراف شريحة ESP8266">
+            <a:extLst>
+              <a:ext uri="{FF2B5EF4-FFF2-40B4-BE49-F238E27FC236}">
+                <a16:creationId xmlns:a16="http://schemas.microsoft.com/office/drawing/2014/main" id="{567030A1-AE6E-5381-3CCA-BDAA941CD97D}"/>
               </a:ext>
             </a:extLst>
           </p:cNvPr>
@@ -6352,7 +5156,7 @@
           </p:cNvPicPr>
           <p:nvPr/>
         </p:nvPicPr>
-        <p:blipFill rotWithShape="1">
+        <p:blipFill>
           <a:blip r:embed="rId2">
             <a:extLst>
               <a:ext uri="{28A0092B-C50C-407E-A947-70E740481C1C}">
@@ -6360,13 +5164,15 @@
               </a:ext>
             </a:extLst>
           </a:blip>
-          <a:srcRect r="40597"/>
-          <a:stretch/>
+          <a:srcRect/>
+          <a:stretch>
+            <a:fillRect/>
+          </a:stretch>
         </p:blipFill>
         <p:spPr bwMode="auto">
-          <a:xfrm rot="5400000">
-            <a:off x="-405373" y="1063966"/>
-            <a:ext cx="6017648" cy="4918074"/>
+          <a:xfrm>
+            <a:off x="1005235" y="484093"/>
+            <a:ext cx="5395566" cy="3308159"/>
           </a:xfrm>
           <a:prstGeom prst="rect">
             <a:avLst/>
@@ -6385,10 +5191,68 @@
       </p:pic>
       <p:pic>
         <p:nvPicPr>
-          <p:cNvPr id="6" name="Picture 2" descr="pins - Onboard led HIGH and LOW seems reversed - Arduino ...">
-            <a:extLst>
-              <a:ext uri="{FF2B5EF4-FFF2-40B4-BE49-F238E27FC236}">
-                <a16:creationId xmlns:a16="http://schemas.microsoft.com/office/drawing/2014/main" id="{A5CBD8D5-5E21-8940-619A-A6AE1A2DCF71}"/>
+          <p:cNvPr id="6" name="Picture 5">
+            <a:extLst>
+              <a:ext uri="{FF2B5EF4-FFF2-40B4-BE49-F238E27FC236}">
+                <a16:creationId xmlns:a16="http://schemas.microsoft.com/office/drawing/2014/main" id="{C75F8D35-157C-BD38-46EF-9E06FC8AE30E}"/>
+              </a:ext>
+            </a:extLst>
+          </p:cNvPr>
+          <p:cNvPicPr>
+            <a:picLocks noChangeAspect="1"/>
+          </p:cNvPicPr>
+          <p:nvPr/>
+        </p:nvPicPr>
+        <p:blipFill>
+          <a:blip r:embed="rId3"/>
+          <a:srcRect l="50893" t="22719" r="30041" b="16705"/>
+          <a:stretch/>
+        </p:blipFill>
+        <p:spPr>
+          <a:xfrm>
+            <a:off x="9626690" y="484093"/>
+            <a:ext cx="2324574" cy="5889814"/>
+          </a:xfrm>
+          <a:prstGeom prst="rect">
+            <a:avLst/>
+          </a:prstGeom>
+        </p:spPr>
+      </p:pic>
+      <p:pic>
+        <p:nvPicPr>
+          <p:cNvPr id="7" name="Picture 6">
+            <a:extLst>
+              <a:ext uri="{FF2B5EF4-FFF2-40B4-BE49-F238E27FC236}">
+                <a16:creationId xmlns:a16="http://schemas.microsoft.com/office/drawing/2014/main" id="{A2E541FE-7052-C511-71E5-A4D3CC249487}"/>
+              </a:ext>
+            </a:extLst>
+          </p:cNvPr>
+          <p:cNvPicPr>
+            <a:picLocks noChangeAspect="1"/>
+          </p:cNvPicPr>
+          <p:nvPr/>
+        </p:nvPicPr>
+        <p:blipFill>
+          <a:blip r:embed="rId3"/>
+          <a:srcRect l="19180" t="22719" r="63504" b="16705"/>
+          <a:stretch/>
+        </p:blipFill>
+        <p:spPr>
+          <a:xfrm>
+            <a:off x="6766067" y="484093"/>
+            <a:ext cx="2994519" cy="5889815"/>
+          </a:xfrm>
+          <a:prstGeom prst="rect">
+            <a:avLst/>
+          </a:prstGeom>
+        </p:spPr>
+      </p:pic>
+      <p:pic>
+        <p:nvPicPr>
+          <p:cNvPr id="8" name="Picture 4" descr="‪How to connect – Technology for Art and Education‬‏">
+            <a:extLst>
+              <a:ext uri="{FF2B5EF4-FFF2-40B4-BE49-F238E27FC236}">
+                <a16:creationId xmlns:a16="http://schemas.microsoft.com/office/drawing/2014/main" id="{13319BCB-D8A0-9BD2-4E3C-C3C6AB5CA3F4}"/>
               </a:ext>
             </a:extLst>
           </p:cNvPr>
@@ -6398,7 +5262,7 @@
           <p:nvPr/>
         </p:nvPicPr>
         <p:blipFill>
-          <a:blip r:embed="rId3">
+          <a:blip r:embed="rId4">
             <a:extLst>
               <a:ext uri="{28A0092B-C50C-407E-A947-70E740481C1C}">
                 <a14:useLocalDpi xmlns:a14="http://schemas.microsoft.com/office/drawing/2010/main" val="0"/>
@@ -6412,864 +5276,8 @@
         </p:blipFill>
         <p:spPr bwMode="auto">
           <a:xfrm>
-            <a:off x="4039983" y="269092"/>
-            <a:ext cx="3469048" cy="2798027"/>
-          </a:xfrm>
-          <a:prstGeom prst="rect">
-            <a:avLst/>
-          </a:prstGeom>
-          <a:noFill/>
-          <a:extLst>
-            <a:ext uri="{909E8E84-426E-40DD-AFC4-6F175D3DCCD1}">
-              <a14:hiddenFill xmlns:a14="http://schemas.microsoft.com/office/drawing/2010/main">
-                <a:solidFill>
-                  <a:srgbClr val="FFFFFF"/>
-                </a:solidFill>
-              </a14:hiddenFill>
-            </a:ext>
-          </a:extLst>
-        </p:spPr>
-      </p:pic>
-      <p:pic>
-        <p:nvPicPr>
-          <p:cNvPr id="1032" name="Picture 8">
-            <a:extLst>
-              <a:ext uri="{FF2B5EF4-FFF2-40B4-BE49-F238E27FC236}">
-                <a16:creationId xmlns:a16="http://schemas.microsoft.com/office/drawing/2014/main" id="{B869993E-14BC-B13A-207F-D122887683D8}"/>
-              </a:ext>
-            </a:extLst>
-          </p:cNvPr>
-          <p:cNvPicPr>
-            <a:picLocks noChangeAspect="1" noChangeArrowheads="1"/>
-          </p:cNvPicPr>
-          <p:nvPr/>
-        </p:nvPicPr>
-        <p:blipFill>
-          <a:blip r:embed="rId4">
-            <a:extLst>
-              <a:ext uri="{28A0092B-C50C-407E-A947-70E740481C1C}">
-                <a14:useLocalDpi xmlns:a14="http://schemas.microsoft.com/office/drawing/2010/main" val="0"/>
-              </a:ext>
-            </a:extLst>
-          </a:blip>
-          <a:srcRect/>
-          <a:stretch>
-            <a:fillRect/>
-          </a:stretch>
-        </p:blipFill>
-        <p:spPr bwMode="auto">
-          <a:xfrm>
-            <a:off x="7759012" y="101552"/>
-            <a:ext cx="3645588" cy="3421451"/>
-          </a:xfrm>
-          <a:prstGeom prst="rect">
-            <a:avLst/>
-          </a:prstGeom>
-          <a:noFill/>
-          <a:extLst>
-            <a:ext uri="{909E8E84-426E-40DD-AFC4-6F175D3DCCD1}">
-              <a14:hiddenFill xmlns:a14="http://schemas.microsoft.com/office/drawing/2010/main">
-                <a:solidFill>
-                  <a:srgbClr val="FFFFFF"/>
-                </a:solidFill>
-              </a14:hiddenFill>
-            </a:ext>
-          </a:extLst>
-        </p:spPr>
-      </p:pic>
-      <mc:AlternateContent xmlns:mc="http://schemas.openxmlformats.org/markup-compatibility/2006" xmlns:p14="http://schemas.microsoft.com/office/powerpoint/2010/main">
-        <mc:Choice Requires="p14">
-          <p:contentPart p14:bwMode="auto" r:id="rId5">
-            <p14:nvContentPartPr>
-              <p14:cNvPr id="7" name="Ink 6">
-                <a:extLst>
-                  <a:ext uri="{FF2B5EF4-FFF2-40B4-BE49-F238E27FC236}">
-                    <a16:creationId xmlns:a16="http://schemas.microsoft.com/office/drawing/2014/main" id="{83D2525B-02EF-784B-AEF0-97D55BFCF52F}"/>
-                  </a:ext>
-                </a:extLst>
-              </p14:cNvPr>
-              <p14:cNvContentPartPr/>
-              <p14:nvPr/>
-            </p14:nvContentPartPr>
-            <p14:xfrm>
-              <a:off x="11533680" y="4824900"/>
-              <a:ext cx="16920" cy="17280"/>
-            </p14:xfrm>
-          </p:contentPart>
-        </mc:Choice>
-        <mc:Fallback xmlns="">
-          <p:pic>
-            <p:nvPicPr>
-              <p:cNvPr id="7" name="Ink 6">
-                <a:extLst>
-                  <a:ext uri="{FF2B5EF4-FFF2-40B4-BE49-F238E27FC236}">
-                    <a16:creationId xmlns:a16="http://schemas.microsoft.com/office/drawing/2014/main" id="{83D2525B-02EF-784B-AEF0-97D55BFCF52F}"/>
-                  </a:ext>
-                </a:extLst>
-              </p:cNvPr>
-              <p:cNvPicPr/>
-              <p:nvPr/>
-            </p:nvPicPr>
-            <p:blipFill>
-              <a:blip r:embed="rId6"/>
-              <a:stretch>
-                <a:fillRect/>
-              </a:stretch>
-            </p:blipFill>
-            <p:spPr>
-              <a:xfrm>
-                <a:off x="11516040" y="4806900"/>
-                <a:ext cx="52560" cy="52920"/>
-              </a:xfrm>
-              <a:prstGeom prst="rect">
-                <a:avLst/>
-              </a:prstGeom>
-            </p:spPr>
-          </p:pic>
-        </mc:Fallback>
-      </mc:AlternateContent>
-      <p:pic>
-        <p:nvPicPr>
-          <p:cNvPr id="27" name="Picture 4" descr="‪How to connect – Technology for Art and Education‬‏">
-            <a:extLst>
-              <a:ext uri="{FF2B5EF4-FFF2-40B4-BE49-F238E27FC236}">
-                <a16:creationId xmlns:a16="http://schemas.microsoft.com/office/drawing/2014/main" id="{DCC53C70-E91C-AE3B-4045-2AC1E782E5CF}"/>
-              </a:ext>
-            </a:extLst>
-          </p:cNvPr>
-          <p:cNvPicPr>
-            <a:picLocks noChangeAspect="1" noChangeArrowheads="1"/>
-          </p:cNvPicPr>
-          <p:nvPr/>
-        </p:nvPicPr>
-        <p:blipFill>
-          <a:blip r:embed="rId7">
-            <a:extLst>
-              <a:ext uri="{28A0092B-C50C-407E-A947-70E740481C1C}">
-                <a14:useLocalDpi xmlns:a14="http://schemas.microsoft.com/office/drawing/2010/main" val="0"/>
-              </a:ext>
-            </a:extLst>
-          </a:blip>
-          <a:srcRect/>
-          <a:stretch>
-            <a:fillRect/>
-          </a:stretch>
-        </p:blipFill>
-        <p:spPr bwMode="auto">
-          <a:xfrm>
-            <a:off x="5129264" y="3260118"/>
+            <a:off x="1902376" y="3792252"/>
             <a:ext cx="4120596" cy="2901393"/>
-          </a:xfrm>
-          <a:prstGeom prst="rect">
-            <a:avLst/>
-          </a:prstGeom>
-          <a:noFill/>
-          <a:extLst>
-            <a:ext uri="{909E8E84-426E-40DD-AFC4-6F175D3DCCD1}">
-              <a14:hiddenFill xmlns:a14="http://schemas.microsoft.com/office/drawing/2010/main">
-                <a:solidFill>
-                  <a:srgbClr val="FFFFFF"/>
-                </a:solidFill>
-              </a14:hiddenFill>
-            </a:ext>
-          </a:extLst>
-        </p:spPr>
-      </p:pic>
-    </p:spTree>
-    <p:extLst>
-      <p:ext uri="{BB962C8B-B14F-4D97-AF65-F5344CB8AC3E}">
-        <p14:creationId xmlns:p14="http://schemas.microsoft.com/office/powerpoint/2010/main" val="1920881749"/>
-      </p:ext>
-    </p:extLst>
-  </p:cSld>
-  <p:clrMapOvr>
-    <a:masterClrMapping/>
-  </p:clrMapOvr>
-</p:sld>
-</file>
-
-<file path=ppt/slides/slide3.xml><?xml version="1.0" encoding="utf-8"?>
-<p:sld xmlns:a="http://schemas.openxmlformats.org/drawingml/2006/main" xmlns:r="http://schemas.openxmlformats.org/officeDocument/2006/relationships" xmlns:p="http://schemas.openxmlformats.org/presentationml/2006/main">
-  <p:cSld>
-    <p:spTree>
-      <p:nvGrpSpPr>
-        <p:cNvPr id="1" name=""/>
-        <p:cNvGrpSpPr/>
-        <p:nvPr/>
-      </p:nvGrpSpPr>
-      <p:grpSpPr>
-        <a:xfrm>
-          <a:off x="0" y="0"/>
-          <a:ext cx="0" cy="0"/>
-          <a:chOff x="0" y="0"/>
-          <a:chExt cx="0" cy="0"/>
-        </a:xfrm>
-      </p:grpSpPr>
-      <p:sp>
-        <p:nvSpPr>
-          <p:cNvPr id="2" name="Title 1">
-            <a:extLst>
-              <a:ext uri="{FF2B5EF4-FFF2-40B4-BE49-F238E27FC236}">
-                <a16:creationId xmlns:a16="http://schemas.microsoft.com/office/drawing/2014/main" id="{9CE3F4A2-E27B-7DD8-9932-5B0AB766F7EB}"/>
-              </a:ext>
-            </a:extLst>
-          </p:cNvPr>
-          <p:cNvSpPr>
-            <a:spLocks noGrp="1"/>
-          </p:cNvSpPr>
-          <p:nvPr>
-            <p:ph type="title"/>
-          </p:nvPr>
-        </p:nvSpPr>
-        <p:spPr>
-          <a:xfrm>
-            <a:off x="1213830" y="260674"/>
-            <a:ext cx="7288282" cy="839706"/>
-          </a:xfrm>
-        </p:spPr>
-        <p:txBody>
-          <a:bodyPr/>
-          <a:lstStyle/>
-          <a:p>
-            <a:r>
-              <a:rPr lang="en-US" dirty="0" err="1"/>
-              <a:t>Thonny</a:t>
-            </a:r>
-            <a:r>
-              <a:rPr lang="en-US" dirty="0"/>
-              <a:t> IDE </a:t>
-            </a:r>
-          </a:p>
-        </p:txBody>
-      </p:sp>
-      <p:sp>
-        <p:nvSpPr>
-          <p:cNvPr id="3" name="Content Placeholder 2">
-            <a:extLst>
-              <a:ext uri="{FF2B5EF4-FFF2-40B4-BE49-F238E27FC236}">
-                <a16:creationId xmlns:a16="http://schemas.microsoft.com/office/drawing/2014/main" id="{BD1BB0BA-E57E-B326-1C0F-BE162A25C798}"/>
-              </a:ext>
-            </a:extLst>
-          </p:cNvPr>
-          <p:cNvSpPr>
-            <a:spLocks noGrp="1"/>
-          </p:cNvSpPr>
-          <p:nvPr>
-            <p:ph sz="half" idx="2"/>
-          </p:nvPr>
-        </p:nvSpPr>
-        <p:spPr>
-          <a:xfrm>
-            <a:off x="826372" y="5827363"/>
-            <a:ext cx="7288212" cy="342766"/>
-          </a:xfrm>
-        </p:spPr>
-        <p:txBody>
-          <a:bodyPr>
-            <a:normAutofit lnSpcReduction="10000"/>
-          </a:bodyPr>
-          <a:lstStyle/>
-          <a:p>
-            <a:r>
-              <a:rPr lang="en-US" dirty="0"/>
-              <a:t>https://thonny.org/</a:t>
-            </a:r>
-          </a:p>
-        </p:txBody>
-      </p:sp>
-      <p:sp>
-        <p:nvSpPr>
-          <p:cNvPr id="4" name="Slide Number Placeholder 3">
-            <a:extLst>
-              <a:ext uri="{FF2B5EF4-FFF2-40B4-BE49-F238E27FC236}">
-                <a16:creationId xmlns:a16="http://schemas.microsoft.com/office/drawing/2014/main" id="{36FC33F4-F497-A651-E8E8-DFDC67168A4F}"/>
-              </a:ext>
-            </a:extLst>
-          </p:cNvPr>
-          <p:cNvSpPr>
-            <a:spLocks noGrp="1"/>
-          </p:cNvSpPr>
-          <p:nvPr>
-            <p:ph type="sldNum" sz="quarter" idx="12"/>
-          </p:nvPr>
-        </p:nvSpPr>
-        <p:spPr/>
-        <p:txBody>
-          <a:bodyPr/>
-          <a:lstStyle/>
-          <a:p>
-            <a:fld id="{A49DFD55-3C28-40EF-9E31-A92D2E4017FF}" type="slidenum">
-              <a:rPr lang="en-US" smtClean="0"/>
-              <a:pPr/>
-              <a:t>3</a:t>
-            </a:fld>
-            <a:endParaRPr lang="en-US" dirty="0"/>
-          </a:p>
-        </p:txBody>
-      </p:sp>
-      <p:pic>
-        <p:nvPicPr>
-          <p:cNvPr id="6" name="Picture 5">
-            <a:extLst>
-              <a:ext uri="{FF2B5EF4-FFF2-40B4-BE49-F238E27FC236}">
-                <a16:creationId xmlns:a16="http://schemas.microsoft.com/office/drawing/2014/main" id="{89289377-6FB8-D48D-8E1D-731AADA486F1}"/>
-              </a:ext>
-            </a:extLst>
-          </p:cNvPr>
-          <p:cNvPicPr>
-            <a:picLocks noChangeAspect="1"/>
-          </p:cNvPicPr>
-          <p:nvPr/>
-        </p:nvPicPr>
-        <p:blipFill rotWithShape="1">
-          <a:blip r:embed="rId2"/>
-          <a:srcRect l="25805" t="16028" r="27161" b="7293"/>
-          <a:stretch/>
-        </p:blipFill>
-        <p:spPr>
-          <a:xfrm>
-            <a:off x="3011837" y="1204282"/>
-            <a:ext cx="6168326" cy="5653718"/>
-          </a:xfrm>
-          <a:prstGeom prst="rect">
-            <a:avLst/>
-          </a:prstGeom>
-        </p:spPr>
-      </p:pic>
-    </p:spTree>
-    <p:extLst>
-      <p:ext uri="{BB962C8B-B14F-4D97-AF65-F5344CB8AC3E}">
-        <p14:creationId xmlns:p14="http://schemas.microsoft.com/office/powerpoint/2010/main" val="2374831619"/>
-      </p:ext>
-    </p:extLst>
-  </p:cSld>
-  <p:clrMapOvr>
-    <a:masterClrMapping/>
-  </p:clrMapOvr>
-</p:sld>
-</file>
-
-<file path=ppt/slides/slide4.xml><?xml version="1.0" encoding="utf-8"?>
-<p:sld xmlns:a="http://schemas.openxmlformats.org/drawingml/2006/main" xmlns:r="http://schemas.openxmlformats.org/officeDocument/2006/relationships" xmlns:p="http://schemas.openxmlformats.org/presentationml/2006/main">
-  <p:cSld>
-    <p:spTree>
-      <p:nvGrpSpPr>
-        <p:cNvPr id="1" name=""/>
-        <p:cNvGrpSpPr/>
-        <p:nvPr/>
-      </p:nvGrpSpPr>
-      <p:grpSpPr>
-        <a:xfrm>
-          <a:off x="0" y="0"/>
-          <a:ext cx="0" cy="0"/>
-          <a:chOff x="0" y="0"/>
-          <a:chExt cx="0" cy="0"/>
-        </a:xfrm>
-      </p:grpSpPr>
-      <p:sp>
-        <p:nvSpPr>
-          <p:cNvPr id="68" name="Slide Number Placeholder 67">
-            <a:extLst>
-              <a:ext uri="{FF2B5EF4-FFF2-40B4-BE49-F238E27FC236}">
-                <a16:creationId xmlns:a16="http://schemas.microsoft.com/office/drawing/2014/main" id="{AA0ACADD-CC4E-851C-DA07-C22DB97FA23E}"/>
-              </a:ext>
-            </a:extLst>
-          </p:cNvPr>
-          <p:cNvSpPr>
-            <a:spLocks noGrp="1"/>
-          </p:cNvSpPr>
-          <p:nvPr>
-            <p:ph type="sldNum" sz="quarter" idx="13"/>
-          </p:nvPr>
-        </p:nvSpPr>
-        <p:spPr>
-          <a:xfrm>
-            <a:off x="10373350" y="6356349"/>
-            <a:ext cx="987552" cy="365125"/>
-          </a:xfrm>
-        </p:spPr>
-        <p:txBody>
-          <a:bodyPr/>
-          <a:lstStyle/>
-          <a:p>
-            <a:fld id="{A49DFD55-3C28-40EF-9E31-A92D2E4017FF}" type="slidenum">
-              <a:rPr lang="en-US" smtClean="0"/>
-              <a:pPr/>
-              <a:t>4</a:t>
-            </a:fld>
-            <a:endParaRPr lang="en-US" dirty="0"/>
-          </a:p>
-        </p:txBody>
-      </p:sp>
-      <p:sp>
-        <p:nvSpPr>
-          <p:cNvPr id="5" name="TextBox 4">
-            <a:extLst>
-              <a:ext uri="{FF2B5EF4-FFF2-40B4-BE49-F238E27FC236}">
-                <a16:creationId xmlns:a16="http://schemas.microsoft.com/office/drawing/2014/main" id="{EE44276D-82C5-CE31-638A-366A61332441}"/>
-              </a:ext>
-            </a:extLst>
-          </p:cNvPr>
-          <p:cNvSpPr txBox="1"/>
-          <p:nvPr/>
-        </p:nvSpPr>
-        <p:spPr>
-          <a:xfrm>
-            <a:off x="120902" y="1023583"/>
-            <a:ext cx="10926950" cy="523220"/>
-          </a:xfrm>
-          <a:prstGeom prst="rect">
-            <a:avLst/>
-          </a:prstGeom>
-          <a:noFill/>
-        </p:spPr>
-        <p:txBody>
-          <a:bodyPr wrap="square" rtlCol="0">
-            <a:spAutoFit/>
-          </a:bodyPr>
-          <a:lstStyle/>
-          <a:p>
-            <a:pPr algn="l"/>
-            <a:r>
-              <a:rPr lang="en-US" sz="2800" b="1" i="0" dirty="0">
-                <a:solidFill>
-                  <a:srgbClr val="0070C0"/>
-                </a:solidFill>
-                <a:effectLst/>
-                <a:highlight>
-                  <a:srgbClr val="FCFCFC"/>
-                </a:highlight>
-                <a:latin typeface="Roboto Slab" panose="020F0502020204030204" pitchFamily="2" charset="0"/>
-              </a:rPr>
-              <a:t>The </a:t>
-            </a:r>
-            <a:r>
-              <a:rPr lang="en-US" sz="2800" b="1" i="0" dirty="0" err="1">
-                <a:solidFill>
-                  <a:srgbClr val="0070C0"/>
-                </a:solidFill>
-                <a:effectLst/>
-                <a:highlight>
-                  <a:srgbClr val="FCFCFC"/>
-                </a:highlight>
-                <a:latin typeface="Roboto Slab" panose="020F0502020204030204" pitchFamily="2" charset="0"/>
-              </a:rPr>
-              <a:t>MicroPython</a:t>
-            </a:r>
-            <a:r>
-              <a:rPr lang="en-US" sz="2800" b="1" i="0" dirty="0">
-                <a:solidFill>
-                  <a:srgbClr val="0070C0"/>
-                </a:solidFill>
-                <a:effectLst/>
-                <a:highlight>
-                  <a:srgbClr val="FCFCFC"/>
-                </a:highlight>
-                <a:latin typeface="Roboto Slab" panose="020F0502020204030204" pitchFamily="2" charset="0"/>
-              </a:rPr>
-              <a:t> Interactive Interpreter Mode (aka REPL)</a:t>
-            </a:r>
-          </a:p>
-        </p:txBody>
-      </p:sp>
-      <p:sp>
-        <p:nvSpPr>
-          <p:cNvPr id="20" name="TextBox 19">
-            <a:extLst>
-              <a:ext uri="{FF2B5EF4-FFF2-40B4-BE49-F238E27FC236}">
-                <a16:creationId xmlns:a16="http://schemas.microsoft.com/office/drawing/2014/main" id="{2B753F7C-7294-9AE0-053A-95D00F0D9022}"/>
-              </a:ext>
-            </a:extLst>
-          </p:cNvPr>
-          <p:cNvSpPr txBox="1"/>
-          <p:nvPr/>
-        </p:nvSpPr>
-        <p:spPr>
-          <a:xfrm>
-            <a:off x="377480" y="3833870"/>
-            <a:ext cx="7960607" cy="1200329"/>
-          </a:xfrm>
-          <a:prstGeom prst="rect">
-            <a:avLst/>
-          </a:prstGeom>
-          <a:noFill/>
-        </p:spPr>
-        <p:txBody>
-          <a:bodyPr wrap="square">
-            <a:spAutoFit/>
-          </a:bodyPr>
-          <a:lstStyle/>
-          <a:p>
-            <a:r>
-              <a:rPr lang="en-US" sz="2400" b="1" i="0" dirty="0">
-                <a:solidFill>
-                  <a:srgbClr val="404040"/>
-                </a:solidFill>
-                <a:effectLst/>
-                <a:highlight>
-                  <a:srgbClr val="FCFCFC"/>
-                </a:highlight>
-                <a:latin typeface="Roboto Slab" pitchFamily="2" charset="0"/>
-              </a:rPr>
-              <a:t>1- Auto-indent</a:t>
-            </a:r>
-          </a:p>
-          <a:p>
-            <a:r>
-              <a:rPr lang="en-US" sz="2400" b="1" i="0" dirty="0">
-                <a:solidFill>
-                  <a:srgbClr val="404040"/>
-                </a:solidFill>
-                <a:effectLst/>
-                <a:highlight>
-                  <a:srgbClr val="FCFCFC"/>
-                </a:highlight>
-                <a:latin typeface="Roboto Slab" pitchFamily="2" charset="0"/>
-              </a:rPr>
-              <a:t>2- Auto-completion</a:t>
-            </a:r>
-          </a:p>
-          <a:p>
-            <a:r>
-              <a:rPr lang="en-US" sz="2400" b="1" i="0" dirty="0">
-                <a:solidFill>
-                  <a:srgbClr val="404040"/>
-                </a:solidFill>
-                <a:effectLst/>
-                <a:highlight>
-                  <a:srgbClr val="FCFCFC"/>
-                </a:highlight>
-                <a:latin typeface="Roboto Slab" pitchFamily="2" charset="0"/>
-              </a:rPr>
-              <a:t>3- Interrupting a running program</a:t>
-            </a:r>
-          </a:p>
-        </p:txBody>
-      </p:sp>
-      <p:sp>
-        <p:nvSpPr>
-          <p:cNvPr id="23" name="TextBox 22">
-            <a:extLst>
-              <a:ext uri="{FF2B5EF4-FFF2-40B4-BE49-F238E27FC236}">
-                <a16:creationId xmlns:a16="http://schemas.microsoft.com/office/drawing/2014/main" id="{F6B0E663-8553-7555-F64D-F7CD4D5F9CF1}"/>
-              </a:ext>
-            </a:extLst>
-          </p:cNvPr>
-          <p:cNvSpPr txBox="1"/>
-          <p:nvPr/>
-        </p:nvSpPr>
-        <p:spPr>
-          <a:xfrm>
-            <a:off x="308975" y="2377799"/>
-            <a:ext cx="11574049" cy="646331"/>
-          </a:xfrm>
-          <a:prstGeom prst="rect">
-            <a:avLst/>
-          </a:prstGeom>
-          <a:noFill/>
-        </p:spPr>
-        <p:txBody>
-          <a:bodyPr wrap="square" rtlCol="0">
-            <a:spAutoFit/>
-          </a:bodyPr>
-          <a:lstStyle/>
-          <a:p>
-            <a:r>
-              <a:rPr lang="en-US" b="0" i="0" dirty="0" err="1">
-                <a:solidFill>
-                  <a:srgbClr val="333333"/>
-                </a:solidFill>
-                <a:effectLst/>
-                <a:latin typeface="Roboto" panose="020F0502020204030204" pitchFamily="2" charset="0"/>
-              </a:rPr>
-              <a:t>NodeMCU</a:t>
-            </a:r>
-            <a:r>
-              <a:rPr lang="en-US" b="0" i="0" dirty="0">
-                <a:solidFill>
-                  <a:srgbClr val="333333"/>
-                </a:solidFill>
-                <a:effectLst/>
-                <a:latin typeface="Roboto" panose="020F0502020204030204" pitchFamily="2" charset="0"/>
-              </a:rPr>
-              <a:t> based ESP8266 has an interrupt feature on its GPIO pins. This function is available on D0-D8 pins of </a:t>
-            </a:r>
-            <a:r>
-              <a:rPr lang="en-US" b="0" i="0" dirty="0" err="1">
-                <a:solidFill>
-                  <a:srgbClr val="333333"/>
-                </a:solidFill>
-                <a:effectLst/>
-                <a:latin typeface="Roboto" panose="020F0502020204030204" pitchFamily="2" charset="0"/>
-              </a:rPr>
-              <a:t>NodeMCU</a:t>
-            </a:r>
-            <a:r>
-              <a:rPr lang="en-US" b="0" i="0" dirty="0">
-                <a:solidFill>
-                  <a:srgbClr val="333333"/>
-                </a:solidFill>
-                <a:effectLst/>
-                <a:latin typeface="Roboto" panose="020F0502020204030204" pitchFamily="2" charset="0"/>
-              </a:rPr>
-              <a:t> Dev Kit.</a:t>
-            </a:r>
-            <a:endParaRPr lang="en-US" sz="2400" dirty="0"/>
-          </a:p>
-        </p:txBody>
-      </p:sp>
-    </p:spTree>
-    <p:extLst>
-      <p:ext uri="{BB962C8B-B14F-4D97-AF65-F5344CB8AC3E}">
-        <p14:creationId xmlns:p14="http://schemas.microsoft.com/office/powerpoint/2010/main" val="636929804"/>
-      </p:ext>
-    </p:extLst>
-  </p:cSld>
-  <p:clrMapOvr>
-    <a:masterClrMapping/>
-  </p:clrMapOvr>
-</p:sld>
-</file>
-
-<file path=ppt/slides/slide5.xml><?xml version="1.0" encoding="utf-8"?>
-<p:sld xmlns:a="http://schemas.openxmlformats.org/drawingml/2006/main" xmlns:r="http://schemas.openxmlformats.org/officeDocument/2006/relationships" xmlns:p="http://schemas.openxmlformats.org/presentationml/2006/main">
-  <p:cSld>
-    <p:spTree>
-      <p:nvGrpSpPr>
-        <p:cNvPr id="1" name=""/>
-        <p:cNvGrpSpPr/>
-        <p:nvPr/>
-      </p:nvGrpSpPr>
-      <p:grpSpPr>
-        <a:xfrm>
-          <a:off x="0" y="0"/>
-          <a:ext cx="0" cy="0"/>
-          <a:chOff x="0" y="0"/>
-          <a:chExt cx="0" cy="0"/>
-        </a:xfrm>
-      </p:grpSpPr>
-      <p:sp>
-        <p:nvSpPr>
-          <p:cNvPr id="7" name="Slide Number Placeholder 6">
-            <a:extLst>
-              <a:ext uri="{FF2B5EF4-FFF2-40B4-BE49-F238E27FC236}">
-                <a16:creationId xmlns:a16="http://schemas.microsoft.com/office/drawing/2014/main" id="{3A787738-494A-C384-16A3-463477FF0011}"/>
-              </a:ext>
-            </a:extLst>
-          </p:cNvPr>
-          <p:cNvSpPr>
-            <a:spLocks noGrp="1"/>
-          </p:cNvSpPr>
-          <p:nvPr>
-            <p:ph type="sldNum" sz="quarter" idx="13"/>
-          </p:nvPr>
-        </p:nvSpPr>
-        <p:spPr/>
-        <p:txBody>
-          <a:bodyPr/>
-          <a:lstStyle/>
-          <a:p>
-            <a:fld id="{A49DFD55-3C28-40EF-9E31-A92D2E4017FF}" type="slidenum">
-              <a:rPr lang="en-US" smtClean="0"/>
-              <a:pPr/>
-              <a:t>5</a:t>
-            </a:fld>
-            <a:endParaRPr lang="en-US" dirty="0"/>
-          </a:p>
-        </p:txBody>
-      </p:sp>
-      <p:pic>
-        <p:nvPicPr>
-          <p:cNvPr id="9" name="Picture 8">
-            <a:extLst>
-              <a:ext uri="{FF2B5EF4-FFF2-40B4-BE49-F238E27FC236}">
-                <a16:creationId xmlns:a16="http://schemas.microsoft.com/office/drawing/2014/main" id="{4558D16B-3917-AC55-16BF-3CA928519FE7}"/>
-              </a:ext>
-            </a:extLst>
-          </p:cNvPr>
-          <p:cNvPicPr>
-            <a:picLocks noChangeAspect="1"/>
-          </p:cNvPicPr>
-          <p:nvPr/>
-        </p:nvPicPr>
-        <p:blipFill rotWithShape="1">
-          <a:blip r:embed="rId2"/>
-          <a:srcRect l="24916" t="15576" r="38983" b="7294"/>
-          <a:stretch/>
-        </p:blipFill>
-        <p:spPr>
-          <a:xfrm>
-            <a:off x="831098" y="383952"/>
-            <a:ext cx="5140270" cy="6174332"/>
-          </a:xfrm>
-          <a:prstGeom prst="rect">
-            <a:avLst/>
-          </a:prstGeom>
-        </p:spPr>
-      </p:pic>
-    </p:spTree>
-    <p:extLst>
-      <p:ext uri="{BB962C8B-B14F-4D97-AF65-F5344CB8AC3E}">
-        <p14:creationId xmlns:p14="http://schemas.microsoft.com/office/powerpoint/2010/main" val="2128930495"/>
-      </p:ext>
-    </p:extLst>
-  </p:cSld>
-  <p:clrMapOvr>
-    <a:masterClrMapping/>
-  </p:clrMapOvr>
-</p:sld>
-</file>
-
-<file path=ppt/slides/slide6.xml><?xml version="1.0" encoding="utf-8"?>
-<p:sld xmlns:a="http://schemas.openxmlformats.org/drawingml/2006/main" xmlns:r="http://schemas.openxmlformats.org/officeDocument/2006/relationships" xmlns:p="http://schemas.openxmlformats.org/presentationml/2006/main">
-  <p:cSld>
-    <p:spTree>
-      <p:nvGrpSpPr>
-        <p:cNvPr id="1" name=""/>
-        <p:cNvGrpSpPr/>
-        <p:nvPr/>
-      </p:nvGrpSpPr>
-      <p:grpSpPr>
-        <a:xfrm>
-          <a:off x="0" y="0"/>
-          <a:ext cx="0" cy="0"/>
-          <a:chOff x="0" y="0"/>
-          <a:chExt cx="0" cy="0"/>
-        </a:xfrm>
-      </p:grpSpPr>
-      <p:sp>
-        <p:nvSpPr>
-          <p:cNvPr id="2" name="Title 1">
-            <a:extLst>
-              <a:ext uri="{FF2B5EF4-FFF2-40B4-BE49-F238E27FC236}">
-                <a16:creationId xmlns:a16="http://schemas.microsoft.com/office/drawing/2014/main" id="{4CAD9AC3-5841-12BA-5817-D66138D75165}"/>
-              </a:ext>
-            </a:extLst>
-          </p:cNvPr>
-          <p:cNvSpPr>
-            <a:spLocks noGrp="1"/>
-          </p:cNvSpPr>
-          <p:nvPr>
-            <p:ph type="title"/>
-          </p:nvPr>
-        </p:nvSpPr>
-        <p:spPr/>
-        <p:txBody>
-          <a:bodyPr/>
-          <a:lstStyle/>
-          <a:p>
-            <a:endParaRPr lang="en-US" dirty="0"/>
-          </a:p>
-        </p:txBody>
-      </p:sp>
-      <p:sp>
-        <p:nvSpPr>
-          <p:cNvPr id="4" name="Slide Number Placeholder 3">
-            <a:extLst>
-              <a:ext uri="{FF2B5EF4-FFF2-40B4-BE49-F238E27FC236}">
-                <a16:creationId xmlns:a16="http://schemas.microsoft.com/office/drawing/2014/main" id="{F32DC940-FA4D-0AC2-40FD-088618E43475}"/>
-              </a:ext>
-            </a:extLst>
-          </p:cNvPr>
-          <p:cNvSpPr>
-            <a:spLocks noGrp="1"/>
-          </p:cNvSpPr>
-          <p:nvPr>
-            <p:ph type="sldNum" sz="quarter" idx="12"/>
-          </p:nvPr>
-        </p:nvSpPr>
-        <p:spPr/>
-        <p:txBody>
-          <a:bodyPr/>
-          <a:lstStyle/>
-          <a:p>
-            <a:fld id="{A49DFD55-3C28-40EF-9E31-A92D2E4017FF}" type="slidenum">
-              <a:rPr lang="en-US" smtClean="0"/>
-              <a:pPr/>
-              <a:t>6</a:t>
-            </a:fld>
-            <a:endParaRPr lang="en-US" dirty="0"/>
-          </a:p>
-        </p:txBody>
-      </p:sp>
-      <p:pic>
-        <p:nvPicPr>
-          <p:cNvPr id="1026" name="Picture 2" descr="pins - Onboard led HIGH and LOW seems reversed - Arduino ...">
-            <a:extLst>
-              <a:ext uri="{FF2B5EF4-FFF2-40B4-BE49-F238E27FC236}">
-                <a16:creationId xmlns:a16="http://schemas.microsoft.com/office/drawing/2014/main" id="{78BF6B7E-7F76-7804-141E-E14F5446656F}"/>
-              </a:ext>
-            </a:extLst>
-          </p:cNvPr>
-          <p:cNvPicPr>
-            <a:picLocks noChangeAspect="1" noChangeArrowheads="1"/>
-          </p:cNvPicPr>
-          <p:nvPr/>
-        </p:nvPicPr>
-        <p:blipFill>
-          <a:blip r:embed="rId2">
-            <a:extLst>
-              <a:ext uri="{28A0092B-C50C-407E-A947-70E740481C1C}">
-                <a14:useLocalDpi xmlns:a14="http://schemas.microsoft.com/office/drawing/2010/main" val="0"/>
-              </a:ext>
-            </a:extLst>
-          </a:blip>
-          <a:srcRect/>
-          <a:stretch>
-            <a:fillRect/>
-          </a:stretch>
-        </p:blipFill>
-        <p:spPr bwMode="auto">
-          <a:xfrm>
-            <a:off x="6621993" y="2238505"/>
-            <a:ext cx="4731807" cy="3816530"/>
-          </a:xfrm>
-          <a:prstGeom prst="rect">
-            <a:avLst/>
-          </a:prstGeom>
-          <a:noFill/>
-          <a:extLst>
-            <a:ext uri="{909E8E84-426E-40DD-AFC4-6F175D3DCCD1}">
-              <a14:hiddenFill xmlns:a14="http://schemas.microsoft.com/office/drawing/2010/main">
-                <a:solidFill>
-                  <a:srgbClr val="FFFFFF"/>
-                </a:solidFill>
-              </a14:hiddenFill>
-            </a:ext>
-          </a:extLst>
-        </p:spPr>
-      </p:pic>
-      <p:pic>
-        <p:nvPicPr>
-          <p:cNvPr id="1028" name="Picture 4" descr="‪How to connect – Technology for Art and Education‬‏">
-            <a:extLst>
-              <a:ext uri="{FF2B5EF4-FFF2-40B4-BE49-F238E27FC236}">
-                <a16:creationId xmlns:a16="http://schemas.microsoft.com/office/drawing/2014/main" id="{5804713E-B864-A863-C891-F6BA0212EF24}"/>
-              </a:ext>
-            </a:extLst>
-          </p:cNvPr>
-          <p:cNvPicPr>
-            <a:picLocks noChangeAspect="1" noChangeArrowheads="1"/>
-          </p:cNvPicPr>
-          <p:nvPr/>
-        </p:nvPicPr>
-        <p:blipFill>
-          <a:blip r:embed="rId3">
-            <a:extLst>
-              <a:ext uri="{28A0092B-C50C-407E-A947-70E740481C1C}">
-                <a14:useLocalDpi xmlns:a14="http://schemas.microsoft.com/office/drawing/2010/main" val="0"/>
-              </a:ext>
-            </a:extLst>
-          </a:blip>
-          <a:srcRect/>
-          <a:stretch>
-            <a:fillRect/>
-          </a:stretch>
-        </p:blipFill>
-        <p:spPr bwMode="auto">
-          <a:xfrm>
-            <a:off x="838200" y="2170514"/>
-            <a:ext cx="5613410" cy="3952513"/>
           </a:xfrm>
           <a:prstGeom prst="rect">
             <a:avLst/>
@@ -7299,7 +5307,7 @@
 </p:sld>
 </file>
 
-<file path=ppt/slides/slide7.xml><?xml version="1.0" encoding="utf-8"?>
+<file path=ppt/slides/slide3.xml><?xml version="1.0" encoding="utf-8"?>
 <p:sld xmlns:a="http://schemas.openxmlformats.org/drawingml/2006/main" xmlns:r="http://schemas.openxmlformats.org/officeDocument/2006/relationships" xmlns:p="http://schemas.openxmlformats.org/presentationml/2006/main">
   <p:cSld>
     <p:spTree>
@@ -7321,6 +5329,620 @@
           <p:cNvPr id="2" name="Title 1">
             <a:extLst>
               <a:ext uri="{FF2B5EF4-FFF2-40B4-BE49-F238E27FC236}">
+                <a16:creationId xmlns:a16="http://schemas.microsoft.com/office/drawing/2014/main" id="{70B9CAF4-0C1D-A40E-99F1-1C7CA3B5AD37}"/>
+              </a:ext>
+            </a:extLst>
+          </p:cNvPr>
+          <p:cNvSpPr>
+            <a:spLocks noGrp="1"/>
+          </p:cNvSpPr>
+          <p:nvPr>
+            <p:ph type="title"/>
+          </p:nvPr>
+        </p:nvSpPr>
+        <p:spPr/>
+        <p:txBody>
+          <a:bodyPr>
+            <a:normAutofit/>
+          </a:bodyPr>
+          <a:lstStyle/>
+          <a:p>
+            <a:r>
+              <a:rPr lang="en-US" sz="4400" dirty="0"/>
+              <a:t>Toggle Blue Led Using Button </a:t>
+            </a:r>
+            <a:br>
+              <a:rPr lang="en-US" sz="4400" dirty="0"/>
+            </a:br>
+            <a:r>
+              <a:rPr lang="en-US" sz="4400" dirty="0">
+                <a:solidFill>
+                  <a:srgbClr val="0070C0"/>
+                </a:solidFill>
+              </a:rPr>
+              <a:t>Without Interrupt </a:t>
+            </a:r>
+          </a:p>
+        </p:txBody>
+      </p:sp>
+      <p:sp>
+        <p:nvSpPr>
+          <p:cNvPr id="4" name="AutoShape 2" descr="ESP8266 LED Blinking Circuit Nodemcu">
+            <a:extLst>
+              <a:ext uri="{FF2B5EF4-FFF2-40B4-BE49-F238E27FC236}">
+                <a16:creationId xmlns:a16="http://schemas.microsoft.com/office/drawing/2014/main" id="{BFF1F4AB-D792-DD4D-A654-0AC817E03A44}"/>
+              </a:ext>
+            </a:extLst>
+          </p:cNvPr>
+          <p:cNvSpPr>
+            <a:spLocks noChangeAspect="1" noChangeArrowheads="1"/>
+          </p:cNvSpPr>
+          <p:nvPr/>
+        </p:nvSpPr>
+        <p:spPr bwMode="auto">
+          <a:xfrm>
+            <a:off x="3522689" y="3276599"/>
+            <a:ext cx="2725711" cy="2725711"/>
+          </a:xfrm>
+          <a:prstGeom prst="rect">
+            <a:avLst/>
+          </a:prstGeom>
+          <a:noFill/>
+          <a:extLst>
+            <a:ext uri="{909E8E84-426E-40DD-AFC4-6F175D3DCCD1}">
+              <a14:hiddenFill xmlns:a14="http://schemas.microsoft.com/office/drawing/2010/main">
+                <a:solidFill>
+                  <a:srgbClr val="FFFFFF"/>
+                </a:solidFill>
+              </a14:hiddenFill>
+            </a:ext>
+          </a:extLst>
+        </p:spPr>
+        <p:txBody>
+          <a:bodyPr vert="horz" wrap="square" lIns="91440" tIns="45720" rIns="91440" bIns="45720" numCol="1" anchor="t" anchorCtr="0" compatLnSpc="1">
+            <a:prstTxWarp prst="textNoShape">
+              <a:avLst/>
+            </a:prstTxWarp>
+          </a:bodyPr>
+          <a:lstStyle/>
+          <a:p>
+            <a:endParaRPr lang="en-US"/>
+          </a:p>
+        </p:txBody>
+      </p:sp>
+      <p:sp>
+        <p:nvSpPr>
+          <p:cNvPr id="5" name="AutoShape 4" descr="ESP8266 LED Blinking Circuit Nodemcu">
+            <a:extLst>
+              <a:ext uri="{FF2B5EF4-FFF2-40B4-BE49-F238E27FC236}">
+                <a16:creationId xmlns:a16="http://schemas.microsoft.com/office/drawing/2014/main" id="{AA39858A-895B-11DE-2885-9EF26A5AB980}"/>
+              </a:ext>
+            </a:extLst>
+          </p:cNvPr>
+          <p:cNvSpPr>
+            <a:spLocks noChangeAspect="1" noChangeArrowheads="1"/>
+          </p:cNvSpPr>
+          <p:nvPr/>
+        </p:nvSpPr>
+        <p:spPr bwMode="auto">
+          <a:xfrm>
+            <a:off x="5943600" y="3276600"/>
+            <a:ext cx="304800" cy="304800"/>
+          </a:xfrm>
+          <a:prstGeom prst="rect">
+            <a:avLst/>
+          </a:prstGeom>
+          <a:noFill/>
+          <a:extLst>
+            <a:ext uri="{909E8E84-426E-40DD-AFC4-6F175D3DCCD1}">
+              <a14:hiddenFill xmlns:a14="http://schemas.microsoft.com/office/drawing/2010/main">
+                <a:solidFill>
+                  <a:srgbClr val="FFFFFF"/>
+                </a:solidFill>
+              </a14:hiddenFill>
+            </a:ext>
+          </a:extLst>
+        </p:spPr>
+        <p:txBody>
+          <a:bodyPr vert="horz" wrap="square" lIns="91440" tIns="45720" rIns="91440" bIns="45720" numCol="1" anchor="t" anchorCtr="0" compatLnSpc="1">
+            <a:prstTxWarp prst="textNoShape">
+              <a:avLst/>
+            </a:prstTxWarp>
+          </a:bodyPr>
+          <a:lstStyle/>
+          <a:p>
+            <a:endParaRPr lang="en-US"/>
+          </a:p>
+        </p:txBody>
+      </p:sp>
+      <p:sp>
+        <p:nvSpPr>
+          <p:cNvPr id="6" name="AutoShape 6" descr="ESP8266 LED Blinking Circuit Nodemcu">
+            <a:extLst>
+              <a:ext uri="{FF2B5EF4-FFF2-40B4-BE49-F238E27FC236}">
+                <a16:creationId xmlns:a16="http://schemas.microsoft.com/office/drawing/2014/main" id="{12C077AA-B0EC-6C7B-D5BD-C26DE84828BE}"/>
+              </a:ext>
+            </a:extLst>
+          </p:cNvPr>
+          <p:cNvSpPr>
+            <a:spLocks noChangeAspect="1" noChangeArrowheads="1"/>
+          </p:cNvSpPr>
+          <p:nvPr/>
+        </p:nvSpPr>
+        <p:spPr bwMode="auto">
+          <a:xfrm>
+            <a:off x="6096000" y="3429000"/>
+            <a:ext cx="304800" cy="304800"/>
+          </a:xfrm>
+          <a:prstGeom prst="rect">
+            <a:avLst/>
+          </a:prstGeom>
+          <a:noFill/>
+          <a:extLst>
+            <a:ext uri="{909E8E84-426E-40DD-AFC4-6F175D3DCCD1}">
+              <a14:hiddenFill xmlns:a14="http://schemas.microsoft.com/office/drawing/2010/main">
+                <a:solidFill>
+                  <a:srgbClr val="FFFFFF"/>
+                </a:solidFill>
+              </a14:hiddenFill>
+            </a:ext>
+          </a:extLst>
+        </p:spPr>
+        <p:txBody>
+          <a:bodyPr vert="horz" wrap="square" lIns="91440" tIns="45720" rIns="91440" bIns="45720" numCol="1" anchor="t" anchorCtr="0" compatLnSpc="1">
+            <a:prstTxWarp prst="textNoShape">
+              <a:avLst/>
+            </a:prstTxWarp>
+          </a:bodyPr>
+          <a:lstStyle/>
+          <a:p>
+            <a:endParaRPr lang="en-US"/>
+          </a:p>
+        </p:txBody>
+      </p:sp>
+      <p:pic>
+        <p:nvPicPr>
+          <p:cNvPr id="3080" name="Picture 8">
+            <a:extLst>
+              <a:ext uri="{FF2B5EF4-FFF2-40B4-BE49-F238E27FC236}">
+                <a16:creationId xmlns:a16="http://schemas.microsoft.com/office/drawing/2014/main" id="{F12B8FD5-AD07-EBBD-2F5B-757A632F2D96}"/>
+              </a:ext>
+            </a:extLst>
+          </p:cNvPr>
+          <p:cNvPicPr>
+            <a:picLocks noChangeAspect="1" noChangeArrowheads="1"/>
+          </p:cNvPicPr>
+          <p:nvPr/>
+        </p:nvPicPr>
+        <p:blipFill rotWithShape="1">
+          <a:blip r:embed="rId2">
+            <a:extLst>
+              <a:ext uri="{28A0092B-C50C-407E-A947-70E740481C1C}">
+                <a14:useLocalDpi xmlns:a14="http://schemas.microsoft.com/office/drawing/2010/main" val="0"/>
+              </a:ext>
+            </a:extLst>
+          </a:blip>
+          <a:srcRect t="3975" r="7815" b="9986"/>
+          <a:stretch/>
+        </p:blipFill>
+        <p:spPr bwMode="auto">
+          <a:xfrm>
+            <a:off x="1199026" y="1754818"/>
+            <a:ext cx="5514194" cy="4810592"/>
+          </a:xfrm>
+          <a:prstGeom prst="rect">
+            <a:avLst/>
+          </a:prstGeom>
+          <a:noFill/>
+          <a:extLst>
+            <a:ext uri="{909E8E84-426E-40DD-AFC4-6F175D3DCCD1}">
+              <a14:hiddenFill xmlns:a14="http://schemas.microsoft.com/office/drawing/2010/main">
+                <a:solidFill>
+                  <a:srgbClr val="FFFFFF"/>
+                </a:solidFill>
+              </a14:hiddenFill>
+            </a:ext>
+          </a:extLst>
+        </p:spPr>
+      </p:pic>
+      <p:pic>
+        <p:nvPicPr>
+          <p:cNvPr id="7" name="Picture 6" descr="NodeMcu (ESP8266) Tutorial A-02: Blinking internal LED">
+            <a:extLst>
+              <a:ext uri="{FF2B5EF4-FFF2-40B4-BE49-F238E27FC236}">
+                <a16:creationId xmlns:a16="http://schemas.microsoft.com/office/drawing/2014/main" id="{3D22A0E5-13BA-4710-6232-EB0D89A4A5BE}"/>
+              </a:ext>
+            </a:extLst>
+          </p:cNvPr>
+          <p:cNvPicPr>
+            <a:picLocks noChangeAspect="1" noChangeArrowheads="1"/>
+          </p:cNvPicPr>
+          <p:nvPr/>
+        </p:nvPicPr>
+        <p:blipFill rotWithShape="1">
+          <a:blip r:embed="rId3">
+            <a:extLst>
+              <a:ext uri="{28A0092B-C50C-407E-A947-70E740481C1C}">
+                <a14:useLocalDpi xmlns:a14="http://schemas.microsoft.com/office/drawing/2010/main" val="0"/>
+              </a:ext>
+            </a:extLst>
+          </a:blip>
+          <a:srcRect l="27831" t="4523" r="31775" b="12639"/>
+          <a:stretch/>
+        </p:blipFill>
+        <p:spPr bwMode="auto">
+          <a:xfrm>
+            <a:off x="7887043" y="2544933"/>
+            <a:ext cx="3279206" cy="3765926"/>
+          </a:xfrm>
+          <a:prstGeom prst="rect">
+            <a:avLst/>
+          </a:prstGeom>
+          <a:noFill/>
+          <a:extLst>
+            <a:ext uri="{909E8E84-426E-40DD-AFC4-6F175D3DCCD1}">
+              <a14:hiddenFill xmlns:a14="http://schemas.microsoft.com/office/drawing/2010/main">
+                <a:solidFill>
+                  <a:srgbClr val="FFFFFF"/>
+                </a:solidFill>
+              </a14:hiddenFill>
+            </a:ext>
+          </a:extLst>
+        </p:spPr>
+      </p:pic>
+    </p:spTree>
+    <p:extLst>
+      <p:ext uri="{BB962C8B-B14F-4D97-AF65-F5344CB8AC3E}">
+        <p14:creationId xmlns:p14="http://schemas.microsoft.com/office/powerpoint/2010/main" val="2575741635"/>
+      </p:ext>
+    </p:extLst>
+  </p:cSld>
+  <p:clrMapOvr>
+    <a:masterClrMapping/>
+  </p:clrMapOvr>
+</p:sld>
+</file>
+
+<file path=ppt/slides/slide4.xml><?xml version="1.0" encoding="utf-8"?>
+<p:sld xmlns:a="http://schemas.openxmlformats.org/drawingml/2006/main" xmlns:r="http://schemas.openxmlformats.org/officeDocument/2006/relationships" xmlns:p="http://schemas.openxmlformats.org/presentationml/2006/main">
+  <p:cSld>
+    <p:spTree>
+      <p:nvGrpSpPr>
+        <p:cNvPr id="1" name=""/>
+        <p:cNvGrpSpPr/>
+        <p:nvPr/>
+      </p:nvGrpSpPr>
+      <p:grpSpPr>
+        <a:xfrm>
+          <a:off x="0" y="0"/>
+          <a:ext cx="0" cy="0"/>
+          <a:chOff x="0" y="0"/>
+          <a:chExt cx="0" cy="0"/>
+        </a:xfrm>
+      </p:grpSpPr>
+      <p:sp>
+        <p:nvSpPr>
+          <p:cNvPr id="2" name="Title 1">
+            <a:extLst>
+              <a:ext uri="{FF2B5EF4-FFF2-40B4-BE49-F238E27FC236}">
+                <a16:creationId xmlns:a16="http://schemas.microsoft.com/office/drawing/2014/main" id="{957EE923-48B3-E1F8-A150-EE894064E445}"/>
+              </a:ext>
+            </a:extLst>
+          </p:cNvPr>
+          <p:cNvSpPr>
+            <a:spLocks noGrp="1"/>
+          </p:cNvSpPr>
+          <p:nvPr>
+            <p:ph type="title"/>
+          </p:nvPr>
+        </p:nvSpPr>
+        <p:spPr/>
+        <p:txBody>
+          <a:bodyPr/>
+          <a:lstStyle/>
+          <a:p>
+            <a:r>
+              <a:rPr lang="en-US" dirty="0"/>
+              <a:t>Falling Rising Edge Signals</a:t>
+            </a:r>
+          </a:p>
+        </p:txBody>
+      </p:sp>
+      <p:pic>
+        <p:nvPicPr>
+          <p:cNvPr id="4102" name="Picture 6" descr="Signal edge detection in ladder logic, Rising edge logic, Signal edge types,, Rising edge in PLC ladder, Set output on a positive edge, Set output on a negative edge, Simulating edge detection, Simulating rising edge, Simulating falling edge, Simulating set output on the rising edge, Simulating set output on falling edge">
+            <a:extLst>
+              <a:ext uri="{FF2B5EF4-FFF2-40B4-BE49-F238E27FC236}">
+                <a16:creationId xmlns:a16="http://schemas.microsoft.com/office/drawing/2014/main" id="{34C5ADE5-0690-EFA5-FA13-60B96A31F4E1}"/>
+              </a:ext>
+            </a:extLst>
+          </p:cNvPr>
+          <p:cNvPicPr>
+            <a:picLocks noChangeAspect="1" noChangeArrowheads="1"/>
+          </p:cNvPicPr>
+          <p:nvPr/>
+        </p:nvPicPr>
+        <p:blipFill rotWithShape="1">
+          <a:blip r:embed="rId2">
+            <a:extLst>
+              <a:ext uri="{28A0092B-C50C-407E-A947-70E740481C1C}">
+                <a14:useLocalDpi xmlns:a14="http://schemas.microsoft.com/office/drawing/2010/main" val="0"/>
+              </a:ext>
+            </a:extLst>
+          </a:blip>
+          <a:srcRect l="4482" t="7047" r="4314" b="10120"/>
+          <a:stretch/>
+        </p:blipFill>
+        <p:spPr bwMode="auto">
+          <a:xfrm>
+            <a:off x="1921239" y="1758781"/>
+            <a:ext cx="8349521" cy="4745669"/>
+          </a:xfrm>
+          <a:prstGeom prst="rect">
+            <a:avLst/>
+          </a:prstGeom>
+          <a:noFill/>
+          <a:extLst>
+            <a:ext uri="{909E8E84-426E-40DD-AFC4-6F175D3DCCD1}">
+              <a14:hiddenFill xmlns:a14="http://schemas.microsoft.com/office/drawing/2010/main">
+                <a:solidFill>
+                  <a:srgbClr val="FFFFFF"/>
+                </a:solidFill>
+              </a14:hiddenFill>
+            </a:ext>
+          </a:extLst>
+        </p:spPr>
+      </p:pic>
+    </p:spTree>
+    <p:extLst>
+      <p:ext uri="{BB962C8B-B14F-4D97-AF65-F5344CB8AC3E}">
+        <p14:creationId xmlns:p14="http://schemas.microsoft.com/office/powerpoint/2010/main" val="2101624466"/>
+      </p:ext>
+    </p:extLst>
+  </p:cSld>
+  <p:clrMapOvr>
+    <a:masterClrMapping/>
+  </p:clrMapOvr>
+</p:sld>
+</file>
+
+<file path=ppt/slides/slide5.xml><?xml version="1.0" encoding="utf-8"?>
+<p:sld xmlns:a="http://schemas.openxmlformats.org/drawingml/2006/main" xmlns:r="http://schemas.openxmlformats.org/officeDocument/2006/relationships" xmlns:p="http://schemas.openxmlformats.org/presentationml/2006/main">
+  <p:cSld>
+    <p:spTree>
+      <p:nvGrpSpPr>
+        <p:cNvPr id="1" name=""/>
+        <p:cNvGrpSpPr/>
+        <p:nvPr/>
+      </p:nvGrpSpPr>
+      <p:grpSpPr>
+        <a:xfrm>
+          <a:off x="0" y="0"/>
+          <a:ext cx="0" cy="0"/>
+          <a:chOff x="0" y="0"/>
+          <a:chExt cx="0" cy="0"/>
+        </a:xfrm>
+      </p:grpSpPr>
+      <p:pic>
+        <p:nvPicPr>
+          <p:cNvPr id="2050" name="Picture 2" descr="Introducing to ESP8266 NodeMCU Interrupts: how it works">
+            <a:extLst>
+              <a:ext uri="{FF2B5EF4-FFF2-40B4-BE49-F238E27FC236}">
+                <a16:creationId xmlns:a16="http://schemas.microsoft.com/office/drawing/2014/main" id="{8F9FB157-5BB4-4DE3-B505-1B4BDD2AC604}"/>
+              </a:ext>
+            </a:extLst>
+          </p:cNvPr>
+          <p:cNvPicPr>
+            <a:picLocks noChangeAspect="1" noChangeArrowheads="1"/>
+          </p:cNvPicPr>
+          <p:nvPr/>
+        </p:nvPicPr>
+        <p:blipFill>
+          <a:blip r:embed="rId2">
+            <a:extLst>
+              <a:ext uri="{28A0092B-C50C-407E-A947-70E740481C1C}">
+                <a14:useLocalDpi xmlns:a14="http://schemas.microsoft.com/office/drawing/2010/main" val="0"/>
+              </a:ext>
+            </a:extLst>
+          </a:blip>
+          <a:srcRect/>
+          <a:stretch>
+            <a:fillRect/>
+          </a:stretch>
+        </p:blipFill>
+        <p:spPr bwMode="auto">
+          <a:xfrm>
+            <a:off x="838200" y="2271713"/>
+            <a:ext cx="11260214" cy="3304628"/>
+          </a:xfrm>
+          <a:prstGeom prst="rect">
+            <a:avLst/>
+          </a:prstGeom>
+          <a:noFill/>
+          <a:extLst>
+            <a:ext uri="{909E8E84-426E-40DD-AFC4-6F175D3DCCD1}">
+              <a14:hiddenFill xmlns:a14="http://schemas.microsoft.com/office/drawing/2010/main">
+                <a:solidFill>
+                  <a:srgbClr val="FFFFFF"/>
+                </a:solidFill>
+              </a14:hiddenFill>
+            </a:ext>
+          </a:extLst>
+        </p:spPr>
+      </p:pic>
+      <p:pic>
+        <p:nvPicPr>
+          <p:cNvPr id="2052" name="Picture 4" descr="Super Bright Green 5mm LED (25 pack) : ID 300 : Adafruit Industries, Unique  &amp; fun DIY electronics and kits">
+            <a:extLst>
+              <a:ext uri="{FF2B5EF4-FFF2-40B4-BE49-F238E27FC236}">
+                <a16:creationId xmlns:a16="http://schemas.microsoft.com/office/drawing/2014/main" id="{3B257047-C01D-1C05-13EB-F862720B3EA0}"/>
+              </a:ext>
+            </a:extLst>
+          </p:cNvPr>
+          <p:cNvPicPr>
+            <a:picLocks noChangeAspect="1" noChangeArrowheads="1"/>
+          </p:cNvPicPr>
+          <p:nvPr/>
+        </p:nvPicPr>
+        <p:blipFill>
+          <a:blip r:embed="rId3">
+            <a:extLst>
+              <a:ext uri="{28A0092B-C50C-407E-A947-70E740481C1C}">
+                <a14:useLocalDpi xmlns:a14="http://schemas.microsoft.com/office/drawing/2010/main" val="0"/>
+              </a:ext>
+            </a:extLst>
+          </a:blip>
+          <a:srcRect/>
+          <a:stretch>
+            <a:fillRect/>
+          </a:stretch>
+        </p:blipFill>
+        <p:spPr bwMode="auto">
+          <a:xfrm>
+            <a:off x="670982" y="1312632"/>
+            <a:ext cx="1767417" cy="1325563"/>
+          </a:xfrm>
+          <a:prstGeom prst="rect">
+            <a:avLst/>
+          </a:prstGeom>
+          <a:noFill/>
+          <a:extLst>
+            <a:ext uri="{909E8E84-426E-40DD-AFC4-6F175D3DCCD1}">
+              <a14:hiddenFill xmlns:a14="http://schemas.microsoft.com/office/drawing/2010/main">
+                <a:solidFill>
+                  <a:srgbClr val="FFFFFF"/>
+                </a:solidFill>
+              </a14:hiddenFill>
+            </a:ext>
+          </a:extLst>
+        </p:spPr>
+      </p:pic>
+      <p:pic>
+        <p:nvPicPr>
+          <p:cNvPr id="2054" name="Picture 6" descr="NodeMcu (ESP8266) Tutorial A-02: Blinking internal LED">
+            <a:extLst>
+              <a:ext uri="{FF2B5EF4-FFF2-40B4-BE49-F238E27FC236}">
+                <a16:creationId xmlns:a16="http://schemas.microsoft.com/office/drawing/2014/main" id="{DBB6922C-6405-D779-2D69-5E204F4625BA}"/>
+              </a:ext>
+            </a:extLst>
+          </p:cNvPr>
+          <p:cNvPicPr>
+            <a:picLocks noChangeAspect="1" noChangeArrowheads="1"/>
+          </p:cNvPicPr>
+          <p:nvPr/>
+        </p:nvPicPr>
+        <p:blipFill rotWithShape="1">
+          <a:blip r:embed="rId4">
+            <a:extLst>
+              <a:ext uri="{28A0092B-C50C-407E-A947-70E740481C1C}">
+                <a14:useLocalDpi xmlns:a14="http://schemas.microsoft.com/office/drawing/2010/main" val="0"/>
+              </a:ext>
+            </a:extLst>
+          </a:blip>
+          <a:srcRect l="27831" t="4523" r="31775" b="12639"/>
+          <a:stretch/>
+        </p:blipFill>
+        <p:spPr bwMode="auto">
+          <a:xfrm>
+            <a:off x="8919146" y="1375700"/>
+            <a:ext cx="1767417" cy="2029748"/>
+          </a:xfrm>
+          <a:prstGeom prst="rect">
+            <a:avLst/>
+          </a:prstGeom>
+          <a:noFill/>
+          <a:extLst>
+            <a:ext uri="{909E8E84-426E-40DD-AFC4-6F175D3DCCD1}">
+              <a14:hiddenFill xmlns:a14="http://schemas.microsoft.com/office/drawing/2010/main">
+                <a:solidFill>
+                  <a:srgbClr val="FFFFFF"/>
+                </a:solidFill>
+              </a14:hiddenFill>
+            </a:ext>
+          </a:extLst>
+        </p:spPr>
+      </p:pic>
+      <p:sp>
+        <p:nvSpPr>
+          <p:cNvPr id="6" name="Title 1">
+            <a:extLst>
+              <a:ext uri="{FF2B5EF4-FFF2-40B4-BE49-F238E27FC236}">
+                <a16:creationId xmlns:a16="http://schemas.microsoft.com/office/drawing/2014/main" id="{713C8B0F-6DB7-F4FB-E624-4314B1C3A2B6}"/>
+              </a:ext>
+            </a:extLst>
+          </p:cNvPr>
+          <p:cNvSpPr>
+            <a:spLocks noGrp="1"/>
+          </p:cNvSpPr>
+          <p:nvPr>
+            <p:ph type="title"/>
+          </p:nvPr>
+        </p:nvSpPr>
+        <p:spPr>
+          <a:xfrm>
+            <a:off x="838200" y="353550"/>
+            <a:ext cx="10515600" cy="1325563"/>
+          </a:xfrm>
+        </p:spPr>
+        <p:txBody>
+          <a:bodyPr>
+            <a:normAutofit/>
+          </a:bodyPr>
+          <a:lstStyle/>
+          <a:p>
+            <a:r>
+              <a:rPr lang="en-US" sz="4400" dirty="0"/>
+              <a:t>Toggle Blue Led Using Button </a:t>
+            </a:r>
+            <a:br>
+              <a:rPr lang="en-US" sz="4400" dirty="0"/>
+            </a:br>
+            <a:r>
+              <a:rPr lang="en-US" sz="4400" dirty="0">
+                <a:solidFill>
+                  <a:srgbClr val="0070C0"/>
+                </a:solidFill>
+              </a:rPr>
+              <a:t>With Interrupt </a:t>
+            </a:r>
+          </a:p>
+        </p:txBody>
+      </p:sp>
+    </p:spTree>
+    <p:extLst>
+      <p:ext uri="{BB962C8B-B14F-4D97-AF65-F5344CB8AC3E}">
+        <p14:creationId xmlns:p14="http://schemas.microsoft.com/office/powerpoint/2010/main" val="3053022456"/>
+      </p:ext>
+    </p:extLst>
+  </p:cSld>
+  <p:clrMapOvr>
+    <a:masterClrMapping/>
+  </p:clrMapOvr>
+</p:sld>
+</file>
+
+<file path=ppt/slides/slide6.xml><?xml version="1.0" encoding="utf-8"?>
+<p:sld xmlns:a="http://schemas.openxmlformats.org/drawingml/2006/main" xmlns:r="http://schemas.openxmlformats.org/officeDocument/2006/relationships" xmlns:p="http://schemas.openxmlformats.org/presentationml/2006/main">
+  <p:cSld>
+    <p:spTree>
+      <p:nvGrpSpPr>
+        <p:cNvPr id="1" name=""/>
+        <p:cNvGrpSpPr/>
+        <p:nvPr/>
+      </p:nvGrpSpPr>
+      <p:grpSpPr>
+        <a:xfrm>
+          <a:off x="0" y="0"/>
+          <a:ext cx="0" cy="0"/>
+          <a:chOff x="0" y="0"/>
+          <a:chExt cx="0" cy="0"/>
+        </a:xfrm>
+      </p:grpSpPr>
+      <p:sp>
+        <p:nvSpPr>
+          <p:cNvPr id="2" name="Title 1">
+            <a:extLst>
+              <a:ext uri="{FF2B5EF4-FFF2-40B4-BE49-F238E27FC236}">
                 <a16:creationId xmlns:a16="http://schemas.microsoft.com/office/drawing/2014/main" id="{8BDF1EDE-5423-435C-B149-87AB1BC22B83}"/>
               </a:ext>
             </a:extLst>
@@ -7378,7 +6000,7 @@
             <a:fld id="{A49DFD55-3C28-40EF-9E31-A92D2E4017FF}" type="slidenum">
               <a:rPr lang="en-US" smtClean="0"/>
               <a:pPr/>
-              <a:t>7</a:t>
+              <a:t>6</a:t>
             </a:fld>
             <a:endParaRPr lang="en-US" dirty="0"/>
           </a:p>
